--- a/10 JSP/jsp (Java server pages).pptx
+++ b/10 JSP/jsp (Java server pages).pptx
@@ -130,6 +130,22 @@
       </a:defRPr>
     </a:lvl9pPr>
   </p:defaultTextStyle>
+  <p:extLst>
+    <p:ext uri="{EFAFB233-063F-42B5-8137-9DF3F51BA10A}">
+      <p15:sldGuideLst xmlns:p15="http://schemas.microsoft.com/office/powerpoint/2012/main">
+        <p15:guide id="1" orient="horz" pos="2160">
+          <p15:clr>
+            <a:srgbClr val="A4A3A4"/>
+          </p15:clr>
+        </p15:guide>
+        <p15:guide id="2" pos="2880">
+          <p15:clr>
+            <a:srgbClr val="A4A3A4"/>
+          </p15:clr>
+        </p15:guide>
+      </p15:sldGuideLst>
+    </p:ext>
+  </p:extLst>
 </p:presentation>
 </file>
 
@@ -171,10 +187,9 @@
           <a:lstStyle/>
           <a:p>
             <a:r>
-              <a:rPr lang="en-US" smtClean="0"/>
+              <a:rPr lang="en-US"/>
               <a:t>Click to edit Master title style</a:t>
             </a:r>
-            <a:endParaRPr lang="en-US"/>
           </a:p>
         </p:txBody>
       </p:sp>
@@ -290,10 +305,9 @@
           </a:lstStyle>
           <a:p>
             <a:r>
-              <a:rPr lang="en-US" smtClean="0"/>
+              <a:rPr lang="en-US"/>
               <a:t>Click to edit Master subtitle style</a:t>
             </a:r>
-            <a:endParaRPr lang="en-US"/>
           </a:p>
         </p:txBody>
       </p:sp>
@@ -315,7 +329,7 @@
             <a:fld id="{492931F5-B162-461E-8CB0-5B68460EE1AB}" type="datetimeFigureOut">
               <a:rPr lang="en-US" smtClean="0"/>
               <a:pPr/>
-              <a:t>25-Aug-21</a:t>
+              <a:t>9/2/2025</a:t>
             </a:fld>
             <a:endParaRPr lang="en-US"/>
           </a:p>
@@ -408,10 +422,9 @@
           <a:lstStyle/>
           <a:p>
             <a:r>
-              <a:rPr lang="en-US" smtClean="0"/>
+              <a:rPr lang="en-US"/>
               <a:t>Click to edit Master title style</a:t>
             </a:r>
-            <a:endParaRPr lang="en-US"/>
           </a:p>
         </p:txBody>
       </p:sp>
@@ -432,38 +445,37 @@
           <a:p>
             <a:pPr lvl="0"/>
             <a:r>
-              <a:rPr lang="en-US" smtClean="0"/>
+              <a:rPr lang="en-US"/>
               <a:t>Click to edit Master text styles</a:t>
             </a:r>
           </a:p>
           <a:p>
             <a:pPr lvl="1"/>
             <a:r>
-              <a:rPr lang="en-US" smtClean="0"/>
+              <a:rPr lang="en-US"/>
               <a:t>Second level</a:t>
             </a:r>
           </a:p>
           <a:p>
             <a:pPr lvl="2"/>
             <a:r>
-              <a:rPr lang="en-US" smtClean="0"/>
+              <a:rPr lang="en-US"/>
               <a:t>Third level</a:t>
             </a:r>
           </a:p>
           <a:p>
             <a:pPr lvl="3"/>
             <a:r>
-              <a:rPr lang="en-US" smtClean="0"/>
+              <a:rPr lang="en-US"/>
               <a:t>Fourth level</a:t>
             </a:r>
           </a:p>
           <a:p>
             <a:pPr lvl="4"/>
             <a:r>
-              <a:rPr lang="en-US" smtClean="0"/>
+              <a:rPr lang="en-US"/>
               <a:t>Fifth level</a:t>
             </a:r>
-            <a:endParaRPr lang="en-US"/>
           </a:p>
         </p:txBody>
       </p:sp>
@@ -485,7 +497,7 @@
             <a:fld id="{492931F5-B162-461E-8CB0-5B68460EE1AB}" type="datetimeFigureOut">
               <a:rPr lang="en-US" smtClean="0"/>
               <a:pPr/>
-              <a:t>25-Aug-21</a:t>
+              <a:t>9/2/2025</a:t>
             </a:fld>
             <a:endParaRPr lang="en-US"/>
           </a:p>
@@ -583,10 +595,9 @@
           <a:lstStyle/>
           <a:p>
             <a:r>
-              <a:rPr lang="en-US" smtClean="0"/>
+              <a:rPr lang="en-US"/>
               <a:t>Click to edit Master title style</a:t>
             </a:r>
-            <a:endParaRPr lang="en-US"/>
           </a:p>
         </p:txBody>
       </p:sp>
@@ -612,38 +623,37 @@
           <a:p>
             <a:pPr lvl="0"/>
             <a:r>
-              <a:rPr lang="en-US" smtClean="0"/>
+              <a:rPr lang="en-US"/>
               <a:t>Click to edit Master text styles</a:t>
             </a:r>
           </a:p>
           <a:p>
             <a:pPr lvl="1"/>
             <a:r>
-              <a:rPr lang="en-US" smtClean="0"/>
+              <a:rPr lang="en-US"/>
               <a:t>Second level</a:t>
             </a:r>
           </a:p>
           <a:p>
             <a:pPr lvl="2"/>
             <a:r>
-              <a:rPr lang="en-US" smtClean="0"/>
+              <a:rPr lang="en-US"/>
               <a:t>Third level</a:t>
             </a:r>
           </a:p>
           <a:p>
             <a:pPr lvl="3"/>
             <a:r>
-              <a:rPr lang="en-US" smtClean="0"/>
+              <a:rPr lang="en-US"/>
               <a:t>Fourth level</a:t>
             </a:r>
           </a:p>
           <a:p>
             <a:pPr lvl="4"/>
             <a:r>
-              <a:rPr lang="en-US" smtClean="0"/>
+              <a:rPr lang="en-US"/>
               <a:t>Fifth level</a:t>
             </a:r>
-            <a:endParaRPr lang="en-US"/>
           </a:p>
         </p:txBody>
       </p:sp>
@@ -665,7 +675,7 @@
             <a:fld id="{492931F5-B162-461E-8CB0-5B68460EE1AB}" type="datetimeFigureOut">
               <a:rPr lang="en-US" smtClean="0"/>
               <a:pPr/>
-              <a:t>25-Aug-21</a:t>
+              <a:t>9/2/2025</a:t>
             </a:fld>
             <a:endParaRPr lang="en-US"/>
           </a:p>
@@ -758,10 +768,9 @@
           <a:lstStyle/>
           <a:p>
             <a:r>
-              <a:rPr lang="en-US" smtClean="0"/>
+              <a:rPr lang="en-US"/>
               <a:t>Click to edit Master title style</a:t>
             </a:r>
-            <a:endParaRPr lang="en-US"/>
           </a:p>
         </p:txBody>
       </p:sp>
@@ -782,38 +791,37 @@
           <a:p>
             <a:pPr lvl="0"/>
             <a:r>
-              <a:rPr lang="en-US" smtClean="0"/>
+              <a:rPr lang="en-US"/>
               <a:t>Click to edit Master text styles</a:t>
             </a:r>
           </a:p>
           <a:p>
             <a:pPr lvl="1"/>
             <a:r>
-              <a:rPr lang="en-US" smtClean="0"/>
+              <a:rPr lang="en-US"/>
               <a:t>Second level</a:t>
             </a:r>
           </a:p>
           <a:p>
             <a:pPr lvl="2"/>
             <a:r>
-              <a:rPr lang="en-US" smtClean="0"/>
+              <a:rPr lang="en-US"/>
               <a:t>Third level</a:t>
             </a:r>
           </a:p>
           <a:p>
             <a:pPr lvl="3"/>
             <a:r>
-              <a:rPr lang="en-US" smtClean="0"/>
+              <a:rPr lang="en-US"/>
               <a:t>Fourth level</a:t>
             </a:r>
           </a:p>
           <a:p>
             <a:pPr lvl="4"/>
             <a:r>
-              <a:rPr lang="en-US" smtClean="0"/>
+              <a:rPr lang="en-US"/>
               <a:t>Fifth level</a:t>
             </a:r>
-            <a:endParaRPr lang="en-US"/>
           </a:p>
         </p:txBody>
       </p:sp>
@@ -835,7 +843,7 @@
             <a:fld id="{492931F5-B162-461E-8CB0-5B68460EE1AB}" type="datetimeFigureOut">
               <a:rPr lang="en-US" smtClean="0"/>
               <a:pPr/>
-              <a:t>25-Aug-21</a:t>
+              <a:t>9/2/2025</a:t>
             </a:fld>
             <a:endParaRPr lang="en-US"/>
           </a:p>
@@ -937,10 +945,9 @@
           </a:lstStyle>
           <a:p>
             <a:r>
-              <a:rPr lang="en-US" smtClean="0"/>
+              <a:rPr lang="en-US"/>
               <a:t>Click to edit Master title style</a:t>
             </a:r>
-            <a:endParaRPr lang="en-US"/>
           </a:p>
         </p:txBody>
       </p:sp>
@@ -1057,7 +1064,7 @@
           <a:p>
             <a:pPr lvl="0"/>
             <a:r>
-              <a:rPr lang="en-US" smtClean="0"/>
+              <a:rPr lang="en-US"/>
               <a:t>Click to edit Master text styles</a:t>
             </a:r>
           </a:p>
@@ -1081,7 +1088,7 @@
             <a:fld id="{492931F5-B162-461E-8CB0-5B68460EE1AB}" type="datetimeFigureOut">
               <a:rPr lang="en-US" smtClean="0"/>
               <a:pPr/>
-              <a:t>25-Aug-21</a:t>
+              <a:t>9/2/2025</a:t>
             </a:fld>
             <a:endParaRPr lang="en-US"/>
           </a:p>
@@ -1174,10 +1181,9 @@
           <a:lstStyle/>
           <a:p>
             <a:r>
-              <a:rPr lang="en-US" smtClean="0"/>
+              <a:rPr lang="en-US"/>
               <a:t>Click to edit Master title style</a:t>
             </a:r>
-            <a:endParaRPr lang="en-US"/>
           </a:p>
         </p:txBody>
       </p:sp>
@@ -1231,38 +1237,37 @@
           <a:p>
             <a:pPr lvl="0"/>
             <a:r>
-              <a:rPr lang="en-US" smtClean="0"/>
+              <a:rPr lang="en-US"/>
               <a:t>Click to edit Master text styles</a:t>
             </a:r>
           </a:p>
           <a:p>
             <a:pPr lvl="1"/>
             <a:r>
-              <a:rPr lang="en-US" smtClean="0"/>
+              <a:rPr lang="en-US"/>
               <a:t>Second level</a:t>
             </a:r>
           </a:p>
           <a:p>
             <a:pPr lvl="2"/>
             <a:r>
-              <a:rPr lang="en-US" smtClean="0"/>
+              <a:rPr lang="en-US"/>
               <a:t>Third level</a:t>
             </a:r>
           </a:p>
           <a:p>
             <a:pPr lvl="3"/>
             <a:r>
-              <a:rPr lang="en-US" smtClean="0"/>
+              <a:rPr lang="en-US"/>
               <a:t>Fourth level</a:t>
             </a:r>
           </a:p>
           <a:p>
             <a:pPr lvl="4"/>
             <a:r>
-              <a:rPr lang="en-US" smtClean="0"/>
+              <a:rPr lang="en-US"/>
               <a:t>Fifth level</a:t>
             </a:r>
-            <a:endParaRPr lang="en-US"/>
           </a:p>
         </p:txBody>
       </p:sp>
@@ -1316,38 +1321,37 @@
           <a:p>
             <a:pPr lvl="0"/>
             <a:r>
-              <a:rPr lang="en-US" smtClean="0"/>
+              <a:rPr lang="en-US"/>
               <a:t>Click to edit Master text styles</a:t>
             </a:r>
           </a:p>
           <a:p>
             <a:pPr lvl="1"/>
             <a:r>
-              <a:rPr lang="en-US" smtClean="0"/>
+              <a:rPr lang="en-US"/>
               <a:t>Second level</a:t>
             </a:r>
           </a:p>
           <a:p>
             <a:pPr lvl="2"/>
             <a:r>
-              <a:rPr lang="en-US" smtClean="0"/>
+              <a:rPr lang="en-US"/>
               <a:t>Third level</a:t>
             </a:r>
           </a:p>
           <a:p>
             <a:pPr lvl="3"/>
             <a:r>
-              <a:rPr lang="en-US" smtClean="0"/>
+              <a:rPr lang="en-US"/>
               <a:t>Fourth level</a:t>
             </a:r>
           </a:p>
           <a:p>
             <a:pPr lvl="4"/>
             <a:r>
-              <a:rPr lang="en-US" smtClean="0"/>
+              <a:rPr lang="en-US"/>
               <a:t>Fifth level</a:t>
             </a:r>
-            <a:endParaRPr lang="en-US"/>
           </a:p>
         </p:txBody>
       </p:sp>
@@ -1369,7 +1373,7 @@
             <a:fld id="{492931F5-B162-461E-8CB0-5B68460EE1AB}" type="datetimeFigureOut">
               <a:rPr lang="en-US" smtClean="0"/>
               <a:pPr/>
-              <a:t>25-Aug-21</a:t>
+              <a:t>9/2/2025</a:t>
             </a:fld>
             <a:endParaRPr lang="en-US"/>
           </a:p>
@@ -1466,10 +1470,9 @@
           </a:lstStyle>
           <a:p>
             <a:r>
-              <a:rPr lang="en-US" smtClean="0"/>
+              <a:rPr lang="en-US"/>
               <a:t>Click to edit Master title style</a:t>
             </a:r>
-            <a:endParaRPr lang="en-US"/>
           </a:p>
         </p:txBody>
       </p:sp>
@@ -1532,7 +1535,7 @@
           <a:p>
             <a:pPr lvl="0"/>
             <a:r>
-              <a:rPr lang="en-US" smtClean="0"/>
+              <a:rPr lang="en-US"/>
               <a:t>Click to edit Master text styles</a:t>
             </a:r>
           </a:p>
@@ -1588,38 +1591,37 @@
           <a:p>
             <a:pPr lvl="0"/>
             <a:r>
-              <a:rPr lang="en-US" smtClean="0"/>
+              <a:rPr lang="en-US"/>
               <a:t>Click to edit Master text styles</a:t>
             </a:r>
           </a:p>
           <a:p>
             <a:pPr lvl="1"/>
             <a:r>
-              <a:rPr lang="en-US" smtClean="0"/>
+              <a:rPr lang="en-US"/>
               <a:t>Second level</a:t>
             </a:r>
           </a:p>
           <a:p>
             <a:pPr lvl="2"/>
             <a:r>
-              <a:rPr lang="en-US" smtClean="0"/>
+              <a:rPr lang="en-US"/>
               <a:t>Third level</a:t>
             </a:r>
           </a:p>
           <a:p>
             <a:pPr lvl="3"/>
             <a:r>
-              <a:rPr lang="en-US" smtClean="0"/>
+              <a:rPr lang="en-US"/>
               <a:t>Fourth level</a:t>
             </a:r>
           </a:p>
           <a:p>
             <a:pPr lvl="4"/>
             <a:r>
-              <a:rPr lang="en-US" smtClean="0"/>
+              <a:rPr lang="en-US"/>
               <a:t>Fifth level</a:t>
             </a:r>
-            <a:endParaRPr lang="en-US"/>
           </a:p>
         </p:txBody>
       </p:sp>
@@ -1682,7 +1684,7 @@
           <a:p>
             <a:pPr lvl="0"/>
             <a:r>
-              <a:rPr lang="en-US" smtClean="0"/>
+              <a:rPr lang="en-US"/>
               <a:t>Click to edit Master text styles</a:t>
             </a:r>
           </a:p>
@@ -1738,38 +1740,37 @@
           <a:p>
             <a:pPr lvl="0"/>
             <a:r>
-              <a:rPr lang="en-US" smtClean="0"/>
+              <a:rPr lang="en-US"/>
               <a:t>Click to edit Master text styles</a:t>
             </a:r>
           </a:p>
           <a:p>
             <a:pPr lvl="1"/>
             <a:r>
-              <a:rPr lang="en-US" smtClean="0"/>
+              <a:rPr lang="en-US"/>
               <a:t>Second level</a:t>
             </a:r>
           </a:p>
           <a:p>
             <a:pPr lvl="2"/>
             <a:r>
-              <a:rPr lang="en-US" smtClean="0"/>
+              <a:rPr lang="en-US"/>
               <a:t>Third level</a:t>
             </a:r>
           </a:p>
           <a:p>
             <a:pPr lvl="3"/>
             <a:r>
-              <a:rPr lang="en-US" smtClean="0"/>
+              <a:rPr lang="en-US"/>
               <a:t>Fourth level</a:t>
             </a:r>
           </a:p>
           <a:p>
             <a:pPr lvl="4"/>
             <a:r>
-              <a:rPr lang="en-US" smtClean="0"/>
+              <a:rPr lang="en-US"/>
               <a:t>Fifth level</a:t>
             </a:r>
-            <a:endParaRPr lang="en-US"/>
           </a:p>
         </p:txBody>
       </p:sp>
@@ -1791,7 +1792,7 @@
             <a:fld id="{492931F5-B162-461E-8CB0-5B68460EE1AB}" type="datetimeFigureOut">
               <a:rPr lang="en-US" smtClean="0"/>
               <a:pPr/>
-              <a:t>25-Aug-21</a:t>
+              <a:t>9/2/2025</a:t>
             </a:fld>
             <a:endParaRPr lang="en-US"/>
           </a:p>
@@ -1884,10 +1885,9 @@
           <a:lstStyle/>
           <a:p>
             <a:r>
-              <a:rPr lang="en-US" smtClean="0"/>
+              <a:rPr lang="en-US"/>
               <a:t>Click to edit Master title style</a:t>
             </a:r>
-            <a:endParaRPr lang="en-US"/>
           </a:p>
         </p:txBody>
       </p:sp>
@@ -1909,7 +1909,7 @@
             <a:fld id="{492931F5-B162-461E-8CB0-5B68460EE1AB}" type="datetimeFigureOut">
               <a:rPr lang="en-US" smtClean="0"/>
               <a:pPr/>
-              <a:t>25-Aug-21</a:t>
+              <a:t>9/2/2025</a:t>
             </a:fld>
             <a:endParaRPr lang="en-US"/>
           </a:p>
@@ -2004,7 +2004,7 @@
             <a:fld id="{492931F5-B162-461E-8CB0-5B68460EE1AB}" type="datetimeFigureOut">
               <a:rPr lang="en-US" smtClean="0"/>
               <a:pPr/>
-              <a:t>25-Aug-21</a:t>
+              <a:t>9/2/2025</a:t>
             </a:fld>
             <a:endParaRPr lang="en-US"/>
           </a:p>
@@ -2106,10 +2106,9 @@
           </a:lstStyle>
           <a:p>
             <a:r>
-              <a:rPr lang="en-US" smtClean="0"/>
+              <a:rPr lang="en-US"/>
               <a:t>Click to edit Master title style</a:t>
             </a:r>
-            <a:endParaRPr lang="en-US"/>
           </a:p>
         </p:txBody>
       </p:sp>
@@ -2163,38 +2162,37 @@
           <a:p>
             <a:pPr lvl="0"/>
             <a:r>
-              <a:rPr lang="en-US" smtClean="0"/>
+              <a:rPr lang="en-US"/>
               <a:t>Click to edit Master text styles</a:t>
             </a:r>
           </a:p>
           <a:p>
             <a:pPr lvl="1"/>
             <a:r>
-              <a:rPr lang="en-US" smtClean="0"/>
+              <a:rPr lang="en-US"/>
               <a:t>Second level</a:t>
             </a:r>
           </a:p>
           <a:p>
             <a:pPr lvl="2"/>
             <a:r>
-              <a:rPr lang="en-US" smtClean="0"/>
+              <a:rPr lang="en-US"/>
               <a:t>Third level</a:t>
             </a:r>
           </a:p>
           <a:p>
             <a:pPr lvl="3"/>
             <a:r>
-              <a:rPr lang="en-US" smtClean="0"/>
+              <a:rPr lang="en-US"/>
               <a:t>Fourth level</a:t>
             </a:r>
           </a:p>
           <a:p>
             <a:pPr lvl="4"/>
             <a:r>
-              <a:rPr lang="en-US" smtClean="0"/>
+              <a:rPr lang="en-US"/>
               <a:t>Fifth level</a:t>
             </a:r>
-            <a:endParaRPr lang="en-US"/>
           </a:p>
         </p:txBody>
       </p:sp>
@@ -2257,7 +2255,7 @@
           <a:p>
             <a:pPr lvl="0"/>
             <a:r>
-              <a:rPr lang="en-US" smtClean="0"/>
+              <a:rPr lang="en-US"/>
               <a:t>Click to edit Master text styles</a:t>
             </a:r>
           </a:p>
@@ -2281,7 +2279,7 @@
             <a:fld id="{492931F5-B162-461E-8CB0-5B68460EE1AB}" type="datetimeFigureOut">
               <a:rPr lang="en-US" smtClean="0"/>
               <a:pPr/>
-              <a:t>25-Aug-21</a:t>
+              <a:t>9/2/2025</a:t>
             </a:fld>
             <a:endParaRPr lang="en-US"/>
           </a:p>
@@ -2383,10 +2381,9 @@
           </a:lstStyle>
           <a:p>
             <a:r>
-              <a:rPr lang="en-US" smtClean="0"/>
+              <a:rPr lang="en-US"/>
               <a:t>Click to edit Master title style</a:t>
             </a:r>
-            <a:endParaRPr lang="en-US"/>
           </a:p>
         </p:txBody>
       </p:sp>
@@ -2510,7 +2507,7 @@
           <a:p>
             <a:pPr lvl="0"/>
             <a:r>
-              <a:rPr lang="en-US" smtClean="0"/>
+              <a:rPr lang="en-US"/>
               <a:t>Click to edit Master text styles</a:t>
             </a:r>
           </a:p>
@@ -2534,7 +2531,7 @@
             <a:fld id="{492931F5-B162-461E-8CB0-5B68460EE1AB}" type="datetimeFigureOut">
               <a:rPr lang="en-US" smtClean="0"/>
               <a:pPr/>
-              <a:t>25-Aug-21</a:t>
+              <a:t>9/2/2025</a:t>
             </a:fld>
             <a:endParaRPr lang="en-US"/>
           </a:p>
@@ -2642,10 +2639,9 @@
           <a:lstStyle/>
           <a:p>
             <a:r>
-              <a:rPr lang="en-US" smtClean="0"/>
+              <a:rPr lang="en-US"/>
               <a:t>Click to edit Master title style</a:t>
             </a:r>
-            <a:endParaRPr lang="en-US"/>
           </a:p>
         </p:txBody>
       </p:sp>
@@ -2676,38 +2672,37 @@
           <a:p>
             <a:pPr lvl="0"/>
             <a:r>
-              <a:rPr lang="en-US" smtClean="0"/>
+              <a:rPr lang="en-US"/>
               <a:t>Click to edit Master text styles</a:t>
             </a:r>
           </a:p>
           <a:p>
             <a:pPr lvl="1"/>
             <a:r>
-              <a:rPr lang="en-US" smtClean="0"/>
+              <a:rPr lang="en-US"/>
               <a:t>Second level</a:t>
             </a:r>
           </a:p>
           <a:p>
             <a:pPr lvl="2"/>
             <a:r>
-              <a:rPr lang="en-US" smtClean="0"/>
+              <a:rPr lang="en-US"/>
               <a:t>Third level</a:t>
             </a:r>
           </a:p>
           <a:p>
             <a:pPr lvl="3"/>
             <a:r>
-              <a:rPr lang="en-US" smtClean="0"/>
+              <a:rPr lang="en-US"/>
               <a:t>Fourth level</a:t>
             </a:r>
           </a:p>
           <a:p>
             <a:pPr lvl="4"/>
             <a:r>
-              <a:rPr lang="en-US" smtClean="0"/>
+              <a:rPr lang="en-US"/>
               <a:t>Fifth level</a:t>
             </a:r>
-            <a:endParaRPr lang="en-US"/>
           </a:p>
         </p:txBody>
       </p:sp>
@@ -2747,7 +2742,7 @@
             <a:fld id="{492931F5-B162-461E-8CB0-5B68460EE1AB}" type="datetimeFigureOut">
               <a:rPr lang="en-US" smtClean="0"/>
               <a:pPr/>
-              <a:t>25-Aug-21</a:t>
+              <a:t>9/2/2025</a:t>
             </a:fld>
             <a:endParaRPr lang="en-US"/>
           </a:p>
@@ -3137,18 +3132,17 @@
           <a:lstStyle/>
           <a:p>
             <a:r>
-              <a:rPr lang="en-US" dirty="0" smtClean="0"/>
+              <a:rPr lang="en-US" dirty="0"/>
               <a:t>JSP (</a:t>
             </a:r>
             <a:r>
-              <a:rPr lang="en-US" dirty="0" err="1" smtClean="0"/>
+              <a:rPr lang="en-US" dirty="0" err="1"/>
               <a:t>JavaServer</a:t>
             </a:r>
             <a:r>
-              <a:rPr lang="en-US" dirty="0" smtClean="0"/>
+              <a:rPr lang="en-US" dirty="0"/>
               <a:t> Pages)</a:t>
             </a:r>
-            <a:endParaRPr lang="en-US" dirty="0"/>
           </a:p>
         </p:txBody>
       </p:sp>
@@ -3171,88 +3165,88 @@
           <a:p>
             <a:pPr algn="just"/>
             <a:r>
-              <a:rPr lang="en-US" b="1" dirty="0" smtClean="0"/>
+              <a:rPr lang="en-US" b="1" dirty="0"/>
               <a:t>JSP</a:t>
             </a:r>
             <a:r>
-              <a:rPr lang="en-US" dirty="0" smtClean="0"/>
+              <a:rPr lang="en-US" dirty="0"/>
               <a:t> technology is used to create dynamic web applications. </a:t>
             </a:r>
           </a:p>
           <a:p>
             <a:pPr algn="just"/>
             <a:r>
-              <a:rPr lang="en-US" b="1" dirty="0" smtClean="0"/>
+              <a:rPr lang="en-US" b="1" dirty="0"/>
               <a:t>JSP</a:t>
             </a:r>
             <a:r>
-              <a:rPr lang="en-US" dirty="0" smtClean="0"/>
+              <a:rPr lang="en-US" dirty="0"/>
               <a:t> pages are easier to maintain then a </a:t>
             </a:r>
             <a:r>
-              <a:rPr lang="en-US" b="1" dirty="0" err="1" smtClean="0"/>
+              <a:rPr lang="en-US" b="1" dirty="0" err="1"/>
               <a:t>Servlet</a:t>
             </a:r>
             <a:r>
-              <a:rPr lang="en-US" dirty="0" smtClean="0"/>
+              <a:rPr lang="en-US" dirty="0"/>
               <a:t>. </a:t>
             </a:r>
           </a:p>
           <a:p>
             <a:pPr algn="just"/>
             <a:r>
-              <a:rPr lang="en-US" dirty="0" smtClean="0"/>
+              <a:rPr lang="en-US" dirty="0"/>
               <a:t>JSP pages are opposite of </a:t>
             </a:r>
             <a:r>
-              <a:rPr lang="en-US" dirty="0" err="1" smtClean="0"/>
+              <a:rPr lang="en-US" dirty="0" err="1"/>
               <a:t>Servlets</a:t>
             </a:r>
             <a:r>
-              <a:rPr lang="en-US" dirty="0" smtClean="0"/>
+              <a:rPr lang="en-US" dirty="0"/>
               <a:t> as a </a:t>
             </a:r>
             <a:r>
-              <a:rPr lang="en-US" dirty="0" err="1" smtClean="0"/>
+              <a:rPr lang="en-US" dirty="0" err="1"/>
               <a:t>servlet</a:t>
             </a:r>
             <a:r>
-              <a:rPr lang="en-US" dirty="0" smtClean="0"/>
+              <a:rPr lang="en-US" dirty="0"/>
               <a:t> adds HTML code inside Java code, while JSP adds Java code inside HTML using JSP tags. </a:t>
             </a:r>
           </a:p>
           <a:p>
             <a:pPr algn="just"/>
             <a:r>
-              <a:rPr lang="en-US" dirty="0" smtClean="0"/>
+              <a:rPr lang="en-US" dirty="0"/>
               <a:t>Everything a </a:t>
             </a:r>
             <a:r>
-              <a:rPr lang="en-US" dirty="0" err="1" smtClean="0"/>
+              <a:rPr lang="en-US" dirty="0" err="1"/>
               <a:t>Servlet</a:t>
             </a:r>
             <a:r>
-              <a:rPr lang="en-US" dirty="0" smtClean="0"/>
+              <a:rPr lang="en-US" dirty="0"/>
               <a:t> can do, a JSP page can also do it.</a:t>
             </a:r>
           </a:p>
           <a:p>
             <a:pPr algn="just"/>
             <a:r>
-              <a:rPr lang="en-US" dirty="0" smtClean="0"/>
+              <a:rPr lang="en-US" dirty="0"/>
               <a:t>Successor of </a:t>
             </a:r>
             <a:r>
-              <a:rPr lang="en-US" dirty="0" err="1" smtClean="0"/>
+              <a:rPr lang="en-US" dirty="0" err="1"/>
               <a:t>Servlet</a:t>
             </a:r>
-            <a:endParaRPr lang="en-US" dirty="0" smtClean="0"/>
+            <a:endParaRPr lang="en-US" dirty="0"/>
           </a:p>
           <a:p>
             <a:pPr algn="just">
               <a:buNone/>
             </a:pPr>
-            <a:endParaRPr lang="en-US" dirty="0" smtClean="0"/>
+            <a:endParaRPr lang="en-US" dirty="0"/>
           </a:p>
           <a:p>
             <a:pPr algn="just">
@@ -3270,13 +3264,6 @@
   <p:transition>
     <p:newsflash/>
   </p:transition>
-  <p:timing>
-    <p:tnLst>
-      <p:par>
-        <p:cTn id="1" dur="indefinite" restart="never" nodeType="tmRoot"/>
-      </p:par>
-    </p:tnLst>
-  </p:timing>
 </p:sld>
 </file>
 
@@ -3321,120 +3308,120 @@
           <a:p>
             <a:pPr algn="just"/>
             <a:r>
-              <a:rPr lang="en-US" dirty="0" smtClean="0"/>
+              <a:rPr lang="en-US" dirty="0"/>
               <a:t>You can place page directive anywhere in the JSP file, but it is good practice to make it as the first statement of the JSP page.</a:t>
             </a:r>
           </a:p>
           <a:p>
             <a:pPr algn="just"/>
-            <a:endParaRPr lang="en-US" dirty="0" smtClean="0"/>
+            <a:endParaRPr lang="en-US" dirty="0"/>
           </a:p>
           <a:p>
             <a:pPr algn="just"/>
             <a:r>
-              <a:rPr lang="en-US" dirty="0" smtClean="0"/>
+              <a:rPr lang="en-US" dirty="0"/>
               <a:t>The </a:t>
             </a:r>
             <a:r>
-              <a:rPr lang="en-US" b="1" dirty="0" smtClean="0"/>
+              <a:rPr lang="en-US" b="1" dirty="0"/>
               <a:t>Page directive</a:t>
             </a:r>
             <a:r>
-              <a:rPr lang="en-US" dirty="0" smtClean="0"/>
+              <a:rPr lang="en-US" dirty="0"/>
               <a:t> defines a number of page dependent properties which communicates with the Web Container at the time of translation. Basic syntax of using the page directive is &lt;%@ page attribute="value" %&gt; where attributes can be one of the following :</a:t>
             </a:r>
           </a:p>
           <a:p>
             <a:pPr algn="just"/>
-            <a:endParaRPr lang="en-US" dirty="0" smtClean="0"/>
+            <a:endParaRPr lang="en-US" dirty="0"/>
           </a:p>
           <a:p>
             <a:pPr algn="just"/>
             <a:r>
-              <a:rPr lang="en-US" dirty="0" smtClean="0"/>
+              <a:rPr lang="en-US" dirty="0"/>
               <a:t>import attribute</a:t>
             </a:r>
           </a:p>
           <a:p>
             <a:pPr algn="just"/>
             <a:r>
-              <a:rPr lang="en-US" dirty="0" smtClean="0"/>
+              <a:rPr lang="en-US" dirty="0"/>
               <a:t>language attribute</a:t>
             </a:r>
           </a:p>
           <a:p>
             <a:pPr algn="just"/>
             <a:r>
-              <a:rPr lang="en-US" dirty="0" smtClean="0"/>
+              <a:rPr lang="en-US" dirty="0"/>
               <a:t>extends attribute</a:t>
             </a:r>
           </a:p>
           <a:p>
             <a:pPr algn="just"/>
             <a:r>
-              <a:rPr lang="en-US" dirty="0" smtClean="0"/>
+              <a:rPr lang="en-US" dirty="0"/>
               <a:t>session attribute</a:t>
             </a:r>
           </a:p>
           <a:p>
             <a:pPr algn="just"/>
             <a:r>
-              <a:rPr lang="en-US" dirty="0" err="1" smtClean="0"/>
+              <a:rPr lang="en-US" dirty="0" err="1"/>
               <a:t>isThreadSafe</a:t>
             </a:r>
             <a:r>
-              <a:rPr lang="en-US" dirty="0" smtClean="0"/>
+              <a:rPr lang="en-US" dirty="0"/>
               <a:t> attribute</a:t>
             </a:r>
           </a:p>
           <a:p>
             <a:pPr algn="just"/>
             <a:r>
-              <a:rPr lang="en-US" dirty="0" err="1" smtClean="0"/>
+              <a:rPr lang="en-US" dirty="0" err="1"/>
               <a:t>isErrorPage</a:t>
             </a:r>
             <a:r>
-              <a:rPr lang="en-US" dirty="0" smtClean="0"/>
+              <a:rPr lang="en-US" dirty="0"/>
               <a:t> attribute</a:t>
             </a:r>
           </a:p>
           <a:p>
             <a:pPr algn="just"/>
             <a:r>
-              <a:rPr lang="en-US" dirty="0" err="1" smtClean="0"/>
+              <a:rPr lang="en-US" dirty="0" err="1"/>
               <a:t>errorPage</a:t>
             </a:r>
             <a:r>
-              <a:rPr lang="en-US" dirty="0" smtClean="0"/>
+              <a:rPr lang="en-US" dirty="0"/>
               <a:t> attribute</a:t>
             </a:r>
           </a:p>
           <a:p>
             <a:pPr algn="just"/>
             <a:r>
-              <a:rPr lang="en-US" dirty="0" err="1" smtClean="0"/>
+              <a:rPr lang="en-US" dirty="0" err="1"/>
               <a:t>contentType</a:t>
             </a:r>
             <a:r>
-              <a:rPr lang="en-US" dirty="0" smtClean="0"/>
+              <a:rPr lang="en-US" dirty="0"/>
               <a:t> attribute</a:t>
             </a:r>
           </a:p>
           <a:p>
             <a:pPr algn="just"/>
             <a:r>
-              <a:rPr lang="en-US" dirty="0" err="1" smtClean="0"/>
+              <a:rPr lang="en-US" dirty="0" err="1"/>
               <a:t>autoFlush</a:t>
             </a:r>
             <a:r>
-              <a:rPr lang="en-US" dirty="0" smtClean="0"/>
+              <a:rPr lang="en-US" dirty="0"/>
               <a:t> attribute</a:t>
             </a:r>
           </a:p>
           <a:p>
             <a:pPr algn="just"/>
             <a:r>
-              <a:rPr lang="en-US" dirty="0" smtClean="0"/>
+              <a:rPr lang="en-US" dirty="0"/>
               <a:t>buffer attribute</a:t>
             </a:r>
           </a:p>
@@ -3452,13 +3439,6 @@
   <p:transition>
     <p:newsflash/>
   </p:transition>
-  <p:timing>
-    <p:tnLst>
-      <p:par>
-        <p:cTn id="1" dur="indefinite" restart="never" nodeType="tmRoot"/>
-      </p:par>
-    </p:tnLst>
-  </p:timing>
 </p:sld>
 </file>
 
@@ -3503,19 +3483,19 @@
           <a:p>
             <a:pPr algn="just"/>
             <a:r>
-              <a:rPr lang="en-US" sz="2400" b="1" dirty="0" smtClean="0"/>
+              <a:rPr lang="en-US" sz="2400" b="1" dirty="0"/>
               <a:t>import attribute </a:t>
             </a:r>
             <a:r>
-              <a:rPr lang="en-US" sz="2400" dirty="0" smtClean="0"/>
+              <a:rPr lang="en-US" sz="2400" dirty="0"/>
               <a:t>: The import attribute defines the set of classes and packages that must be imported in </a:t>
             </a:r>
             <a:r>
-              <a:rPr lang="en-US" sz="2400" dirty="0" err="1" smtClean="0"/>
+              <a:rPr lang="en-US" sz="2400" dirty="0" err="1"/>
               <a:t>servlet</a:t>
             </a:r>
             <a:r>
-              <a:rPr lang="en-US" sz="2400" dirty="0" smtClean="0"/>
+              <a:rPr lang="en-US" sz="2400" dirty="0"/>
               <a:t> class definition. For example</a:t>
             </a:r>
           </a:p>
@@ -3524,87 +3504,87 @@
               <a:buNone/>
             </a:pPr>
             <a:r>
-              <a:rPr lang="en-US" sz="2400" dirty="0" smtClean="0"/>
+              <a:rPr lang="en-US" sz="2400" dirty="0"/>
               <a:t>	&lt;%@ page import="</a:t>
             </a:r>
             <a:r>
-              <a:rPr lang="en-US" sz="2400" dirty="0" err="1" smtClean="0"/>
+              <a:rPr lang="en-US" sz="2400" dirty="0" err="1"/>
               <a:t>java.util.Date</a:t>
             </a:r>
             <a:r>
-              <a:rPr lang="en-US" sz="2400" dirty="0" smtClean="0"/>
+              <a:rPr lang="en-US" sz="2400" dirty="0"/>
               <a:t>" %&gt;</a:t>
             </a:r>
           </a:p>
           <a:p>
             <a:pPr algn="just"/>
             <a:r>
-              <a:rPr lang="en-US" sz="2400" b="1" dirty="0" smtClean="0"/>
+              <a:rPr lang="en-US" sz="2400" b="1" dirty="0"/>
               <a:t>language attribute </a:t>
             </a:r>
             <a:r>
-              <a:rPr lang="en-US" sz="2400" dirty="0" smtClean="0"/>
+              <a:rPr lang="en-US" sz="2400" dirty="0"/>
               <a:t>: language attribute defines language to be used in the page.</a:t>
             </a:r>
           </a:p>
           <a:p>
             <a:pPr algn="just"/>
             <a:r>
-              <a:rPr lang="en-US" sz="2400" b="1" dirty="0" smtClean="0"/>
+              <a:rPr lang="en-US" sz="2400" b="1" dirty="0"/>
               <a:t>extends attribute </a:t>
             </a:r>
             <a:r>
-              <a:rPr lang="en-US" sz="2400" dirty="0" smtClean="0"/>
+              <a:rPr lang="en-US" sz="2400" dirty="0"/>
               <a:t>: extends attribute defines the class name of the </a:t>
             </a:r>
             <a:r>
-              <a:rPr lang="en-US" sz="2400" dirty="0" err="1" smtClean="0"/>
+              <a:rPr lang="en-US" sz="2400" dirty="0" err="1"/>
               <a:t>superclass</a:t>
             </a:r>
             <a:r>
-              <a:rPr lang="en-US" sz="2400" dirty="0" smtClean="0"/>
+              <a:rPr lang="en-US" sz="2400" dirty="0"/>
               <a:t> of the </a:t>
             </a:r>
             <a:r>
-              <a:rPr lang="en-US" sz="2400" dirty="0" err="1" smtClean="0"/>
+              <a:rPr lang="en-US" sz="2400" dirty="0" err="1"/>
               <a:t>servlet</a:t>
             </a:r>
             <a:r>
-              <a:rPr lang="en-US" sz="2400" dirty="0" smtClean="0"/>
+              <a:rPr lang="en-US" sz="2400" dirty="0"/>
               <a:t> class that is generated from the JSP page.</a:t>
             </a:r>
           </a:p>
           <a:p>
             <a:pPr algn="just"/>
             <a:r>
-              <a:rPr lang="en-US" sz="2400" b="1" dirty="0" smtClean="0"/>
+              <a:rPr lang="en-US" sz="2400" b="1" dirty="0"/>
               <a:t>session attribute </a:t>
             </a:r>
             <a:r>
-              <a:rPr lang="en-US" sz="2400" dirty="0" smtClean="0"/>
+              <a:rPr lang="en-US" sz="2400" dirty="0"/>
               <a:t>: session attribute defines whether the JSP page is participating in an HTTP session. The value is either true or false.</a:t>
             </a:r>
           </a:p>
           <a:p>
             <a:pPr algn="just"/>
             <a:r>
-              <a:rPr lang="en-US" sz="2400" b="1" dirty="0" err="1" smtClean="0"/>
+              <a:rPr lang="en-US" sz="2400" b="1" dirty="0" err="1"/>
               <a:t>isThreadSafe</a:t>
             </a:r>
             <a:r>
-              <a:rPr lang="en-US" sz="2400" b="1" dirty="0" smtClean="0"/>
+              <a:rPr lang="en-US" sz="2400" b="1" dirty="0"/>
               <a:t> attribute </a:t>
             </a:r>
             <a:r>
-              <a:rPr lang="en-US" sz="2400" dirty="0" smtClean="0"/>
+              <a:rPr lang="en-US" sz="2400" dirty="0"/>
               <a:t>: </a:t>
             </a:r>
             <a:r>
-              <a:rPr lang="en-US" sz="2400" dirty="0" err="1" smtClean="0"/>
+              <a:rPr lang="en-US" sz="2400" dirty="0" err="1"/>
               <a:t>isThreadSafe</a:t>
             </a:r>
             <a:r>
-              <a:rPr lang="en-US" sz="2400" dirty="0" smtClean="0"/>
+              <a:rPr lang="en-US" sz="2400" dirty="0"/>
               <a:t> attribute declares whether the JSP is thread-safe. The value is either true or false</a:t>
             </a:r>
           </a:p>
@@ -3624,13 +3604,6 @@
   <p:transition>
     <p:newsflash/>
   </p:transition>
-  <p:timing>
-    <p:tnLst>
-      <p:par>
-        <p:cTn id="1" dur="indefinite" restart="never" nodeType="tmRoot"/>
-      </p:par>
-    </p:tnLst>
-  </p:timing>
 </p:sld>
 </file>
 
@@ -3675,132 +3648,132 @@
           <a:p>
             <a:pPr algn="just"/>
             <a:r>
-              <a:rPr lang="en-US" sz="2400" b="1" dirty="0" err="1" smtClean="0"/>
+              <a:rPr lang="en-US" sz="2400" b="1" dirty="0" err="1"/>
               <a:t>isErrorPage</a:t>
             </a:r>
             <a:r>
-              <a:rPr lang="en-US" sz="2400" b="1" dirty="0" smtClean="0"/>
+              <a:rPr lang="en-US" sz="2400" b="1" dirty="0"/>
               <a:t> attribute </a:t>
             </a:r>
             <a:r>
-              <a:rPr lang="en-US" sz="2400" dirty="0" smtClean="0"/>
+              <a:rPr lang="en-US" sz="2400" dirty="0"/>
               <a:t>: </a:t>
             </a:r>
             <a:r>
-              <a:rPr lang="en-US" sz="2400" dirty="0" err="1" smtClean="0"/>
+              <a:rPr lang="en-US" sz="2400" dirty="0" err="1"/>
               <a:t>isErrorPage</a:t>
             </a:r>
             <a:r>
-              <a:rPr lang="en-US" sz="2400" dirty="0" smtClean="0"/>
+              <a:rPr lang="en-US" sz="2400" dirty="0"/>
               <a:t> attribute declares whether the current JSP Page represents another JSP's error page.</a:t>
             </a:r>
           </a:p>
           <a:p>
             <a:pPr algn="just"/>
             <a:r>
-              <a:rPr lang="en-US" sz="2400" b="1" dirty="0" err="1" smtClean="0"/>
+              <a:rPr lang="en-US" sz="2400" b="1" dirty="0" err="1"/>
               <a:t>errorPage</a:t>
             </a:r>
             <a:r>
-              <a:rPr lang="en-US" sz="2400" b="1" dirty="0" smtClean="0"/>
+              <a:rPr lang="en-US" sz="2400" b="1" dirty="0"/>
               <a:t> attribute</a:t>
             </a:r>
             <a:r>
-              <a:rPr lang="en-US" sz="2400" dirty="0" smtClean="0"/>
+              <a:rPr lang="en-US" sz="2400" dirty="0"/>
               <a:t> : </a:t>
             </a:r>
             <a:r>
-              <a:rPr lang="en-US" sz="2400" dirty="0" err="1" smtClean="0"/>
+              <a:rPr lang="en-US" sz="2400" dirty="0" err="1"/>
               <a:t>errorPage</a:t>
             </a:r>
             <a:r>
-              <a:rPr lang="en-US" sz="2400" dirty="0" smtClean="0"/>
+              <a:rPr lang="en-US" sz="2400" dirty="0"/>
               <a:t> attribute indicates another JSP page that will handle all the run time exceptions thrown by current JSP page. It specifies the URL path of another page to which a request is to be dispatched to handle run time exceptions thrown by current JSP page</a:t>
             </a:r>
             <a:r>
-              <a:rPr lang="en-US" sz="2400" b="1" dirty="0" smtClean="0"/>
+              <a:rPr lang="en-US" sz="2400" b="1" dirty="0"/>
               <a:t>.</a:t>
             </a:r>
           </a:p>
           <a:p>
             <a:pPr algn="just"/>
             <a:r>
-              <a:rPr lang="en-US" sz="2400" b="1" dirty="0" err="1" smtClean="0"/>
+              <a:rPr lang="en-US" sz="2400" b="1" dirty="0" err="1"/>
               <a:t>contentType</a:t>
             </a:r>
             <a:r>
-              <a:rPr lang="en-US" sz="2400" b="1" dirty="0" smtClean="0"/>
+              <a:rPr lang="en-US" sz="2400" b="1" dirty="0"/>
               <a:t> attribute </a:t>
             </a:r>
             <a:r>
-              <a:rPr lang="en-US" sz="2400" dirty="0" smtClean="0"/>
+              <a:rPr lang="en-US" sz="2400" dirty="0"/>
               <a:t>: </a:t>
             </a:r>
             <a:r>
-              <a:rPr lang="en-US" sz="2400" dirty="0" err="1" smtClean="0"/>
+              <a:rPr lang="en-US" sz="2400" dirty="0" err="1"/>
               <a:t>contentType</a:t>
             </a:r>
             <a:r>
-              <a:rPr lang="en-US" sz="2400" dirty="0" smtClean="0"/>
+              <a:rPr lang="en-US" sz="2400" dirty="0"/>
               <a:t> attribute defines the MIME</a:t>
             </a:r>
             <a:r>
-              <a:rPr lang="en-US" sz="2400" b="1" dirty="0" smtClean="0"/>
+              <a:rPr lang="en-US" sz="2400" b="1" dirty="0"/>
               <a:t>(</a:t>
             </a:r>
             <a:r>
-              <a:rPr lang="en-US" sz="2400" dirty="0" smtClean="0"/>
+              <a:rPr lang="en-US" sz="2400" dirty="0"/>
               <a:t> Multipurpose Internet Mail Extensions</a:t>
             </a:r>
             <a:r>
-              <a:rPr lang="en-US" sz="2400" b="1" dirty="0" smtClean="0"/>
+              <a:rPr lang="en-US" sz="2400" b="1" dirty="0"/>
               <a:t>)</a:t>
             </a:r>
             <a:r>
-              <a:rPr lang="en-US" sz="2400" dirty="0" smtClean="0"/>
+              <a:rPr lang="en-US" sz="2400" dirty="0"/>
               <a:t> type for the JSP response.</a:t>
             </a:r>
-            <a:endParaRPr lang="en-US" sz="2400" b="1" dirty="0" smtClean="0"/>
+            <a:endParaRPr lang="en-US" sz="2400" b="1" dirty="0"/>
           </a:p>
           <a:p>
             <a:pPr algn="just"/>
             <a:r>
-              <a:rPr lang="en-US" sz="2400" b="1" dirty="0" err="1" smtClean="0"/>
+              <a:rPr lang="en-US" sz="2400" b="1" dirty="0" err="1"/>
               <a:t>autoFlush</a:t>
             </a:r>
             <a:r>
-              <a:rPr lang="en-US" sz="2400" b="1" dirty="0" smtClean="0"/>
+              <a:rPr lang="en-US" sz="2400" b="1" dirty="0"/>
               <a:t> attribute</a:t>
             </a:r>
             <a:r>
-              <a:rPr lang="en-US" sz="2400" dirty="0" smtClean="0"/>
+              <a:rPr lang="en-US" sz="2400" dirty="0"/>
               <a:t> : </a:t>
             </a:r>
             <a:r>
-              <a:rPr lang="en-US" sz="2400" dirty="0" err="1" smtClean="0"/>
+              <a:rPr lang="en-US" sz="2400" dirty="0" err="1"/>
               <a:t>autoFlush</a:t>
             </a:r>
             <a:r>
-              <a:rPr lang="en-US" sz="2400" dirty="0" smtClean="0"/>
+              <a:rPr lang="en-US" sz="2400" dirty="0"/>
               <a:t> attribute defines whether the buffered output is flushed automatically. The default value is "true".</a:t>
             </a:r>
           </a:p>
           <a:p>
             <a:pPr algn="just"/>
             <a:r>
-              <a:rPr lang="en-US" sz="2400" b="1" dirty="0" smtClean="0"/>
+              <a:rPr lang="en-US" sz="2400" b="1" dirty="0"/>
               <a:t>buffer attribute</a:t>
             </a:r>
             <a:r>
-              <a:rPr lang="en-US" sz="2400" dirty="0" smtClean="0"/>
+              <a:rPr lang="en-US" sz="2400" dirty="0"/>
               <a:t> : buffer attribute defines how buffering is handled by the implicit </a:t>
             </a:r>
             <a:r>
-              <a:rPr lang="en-US" sz="2400" b="1" dirty="0" smtClean="0"/>
+              <a:rPr lang="en-US" sz="2400" b="1" dirty="0"/>
               <a:t>out</a:t>
             </a:r>
             <a:r>
-              <a:rPr lang="en-US" sz="2400" dirty="0" smtClean="0"/>
+              <a:rPr lang="en-US" sz="2400" dirty="0"/>
               <a:t> object.</a:t>
             </a:r>
           </a:p>
@@ -3818,13 +3791,6 @@
   <p:transition>
     <p:newsflash/>
   </p:transition>
-  <p:timing>
-    <p:tnLst>
-      <p:par>
-        <p:cTn id="1" dur="indefinite" restart="never" nodeType="tmRoot"/>
-      </p:par>
-    </p:tnLst>
-  </p:timing>
 </p:sld>
 </file>
 
@@ -3863,10 +3829,9 @@
           <a:lstStyle/>
           <a:p>
             <a:r>
-              <a:rPr lang="en-US" dirty="0" smtClean="0"/>
+              <a:rPr lang="en-US" dirty="0"/>
               <a:t>JSP Standard Tag(Action Element)</a:t>
             </a:r>
-            <a:endParaRPr lang="en-US" dirty="0"/>
           </a:p>
         </p:txBody>
       </p:sp>
@@ -3889,53 +3854,53 @@
           <a:p>
             <a:pPr algn="just"/>
             <a:r>
-              <a:rPr lang="en-US" dirty="0" smtClean="0"/>
+              <a:rPr lang="en-US" dirty="0"/>
               <a:t>JSP specification provides </a:t>
             </a:r>
             <a:r>
-              <a:rPr lang="en-US" b="1" dirty="0" smtClean="0"/>
+              <a:rPr lang="en-US" b="1" dirty="0"/>
               <a:t>Standard</a:t>
             </a:r>
             <a:r>
-              <a:rPr lang="en-US" dirty="0" smtClean="0"/>
+              <a:rPr lang="en-US" dirty="0"/>
               <a:t>(Action) tags for use within your JSP pages. </a:t>
             </a:r>
           </a:p>
           <a:p>
             <a:pPr algn="just"/>
             <a:r>
-              <a:rPr lang="en-US" dirty="0" smtClean="0"/>
+              <a:rPr lang="en-US" dirty="0"/>
               <a:t>These tags are used to remove or eliminate </a:t>
             </a:r>
             <a:r>
-              <a:rPr lang="en-US" dirty="0" err="1" smtClean="0"/>
+              <a:rPr lang="en-US" dirty="0" err="1"/>
               <a:t>scriptlet</a:t>
             </a:r>
             <a:r>
-              <a:rPr lang="en-US" dirty="0" smtClean="0"/>
+              <a:rPr lang="en-US" dirty="0"/>
               <a:t> code from your JSP page because </a:t>
             </a:r>
             <a:r>
-              <a:rPr lang="en-US" dirty="0" err="1" smtClean="0"/>
+              <a:rPr lang="en-US" dirty="0" err="1"/>
               <a:t>scriptlet</a:t>
             </a:r>
             <a:r>
-              <a:rPr lang="en-US" dirty="0" smtClean="0"/>
+              <a:rPr lang="en-US" dirty="0"/>
               <a:t> code are technically not recommended nowadays. It's considered to be bad practice to put java code directly inside your JSP page.</a:t>
             </a:r>
           </a:p>
           <a:p>
             <a:pPr algn="just"/>
             <a:r>
-              <a:rPr lang="en-US" dirty="0" smtClean="0"/>
+              <a:rPr lang="en-US" dirty="0"/>
               <a:t>Standard tags begin with the </a:t>
             </a:r>
             <a:r>
-              <a:rPr lang="en-US" dirty="0" err="1" smtClean="0"/>
+              <a:rPr lang="en-US" dirty="0" err="1"/>
               <a:t>jsp</a:t>
             </a:r>
             <a:r>
-              <a:rPr lang="en-US" dirty="0" smtClean="0"/>
+              <a:rPr lang="en-US" dirty="0"/>
               <a:t>: prefix. There are many JSP Standard Action tag which are used to perform some specific task.</a:t>
             </a:r>
           </a:p>
@@ -3955,13 +3920,6 @@
   <p:transition>
     <p:newsflash/>
   </p:transition>
-  <p:timing>
-    <p:tnLst>
-      <p:par>
-        <p:cTn id="1" dur="indefinite" restart="never" nodeType="tmRoot"/>
-      </p:par>
-    </p:tnLst>
-  </p:timing>
 </p:sld>
 </file>
 
@@ -4000,10 +3958,9 @@
           <a:lstStyle/>
           <a:p>
             <a:r>
-              <a:rPr lang="en-US" dirty="0" smtClean="0"/>
+              <a:rPr lang="en-US" dirty="0"/>
               <a:t>The following are some JSP Standard Action Tags available:</a:t>
             </a:r>
-            <a:endParaRPr lang="en-US" dirty="0"/>
           </a:p>
         </p:txBody>
       </p:sp>
@@ -4033,7 +3990,7 @@
               <a:buNone/>
             </a:pPr>
             <a:r>
-              <a:rPr lang="en-US" sz="2400" dirty="0" smtClean="0"/>
+              <a:rPr lang="en-US" sz="2400" dirty="0"/>
               <a:t>Action Tag			Description</a:t>
             </a:r>
           </a:p>
@@ -4042,7 +3999,7 @@
               <a:buNone/>
             </a:pPr>
             <a:r>
-              <a:rPr lang="en-US" sz="2400" dirty="0" smtClean="0"/>
+              <a:rPr lang="en-US" sz="2400" dirty="0"/>
               <a:t>----------------------------------------------------------------------------------</a:t>
             </a:r>
           </a:p>
@@ -4051,19 +4008,19 @@
               <a:buAutoNum type="arabicParenR"/>
             </a:pPr>
             <a:r>
-              <a:rPr lang="en-US" sz="2400" dirty="0" err="1" smtClean="0"/>
+              <a:rPr lang="en-US" sz="2400" dirty="0" err="1"/>
               <a:t>jsp:forward</a:t>
             </a:r>
             <a:r>
-              <a:rPr lang="en-US" sz="2400" dirty="0" smtClean="0"/>
+              <a:rPr lang="en-US" sz="2400" dirty="0"/>
               <a:t>		forward the request to a new page					&lt;</a:t>
             </a:r>
             <a:r>
-              <a:rPr lang="en-US" sz="2400" dirty="0" err="1" smtClean="0"/>
+              <a:rPr lang="en-US" sz="2400" dirty="0" err="1"/>
               <a:t>jsp:forward</a:t>
             </a:r>
             <a:r>
-              <a:rPr lang="en-US" sz="2400" dirty="0" smtClean="0"/>
+              <a:rPr lang="en-US" sz="2400" dirty="0"/>
               <a:t> page="Relative URL" /&gt;</a:t>
             </a:r>
           </a:p>
@@ -4073,11 +4030,11 @@
               <a:buAutoNum type="arabicParenR"/>
             </a:pPr>
             <a:r>
-              <a:rPr lang="en-US" sz="2400" dirty="0" err="1" smtClean="0"/>
+              <a:rPr lang="en-US" sz="2400" dirty="0" err="1"/>
               <a:t>jsp:include</a:t>
             </a:r>
             <a:r>
-              <a:rPr lang="en-US" sz="2400" dirty="0" smtClean="0"/>
+              <a:rPr lang="en-US" sz="2400" dirty="0"/>
               <a:t>			includes the runtime response of a 					JSP page into the current page.</a:t>
             </a:r>
           </a:p>
@@ -4087,11 +4044,11 @@
               <a:buAutoNum type="arabicParenR"/>
             </a:pPr>
             <a:r>
-              <a:rPr lang="en-US" sz="2400" dirty="0" err="1" smtClean="0"/>
+              <a:rPr lang="en-US" sz="2400" dirty="0" err="1"/>
               <a:t>jsp:param</a:t>
             </a:r>
             <a:r>
-              <a:rPr lang="en-US" sz="2400" dirty="0" smtClean="0"/>
+              <a:rPr lang="en-US" sz="2400" dirty="0"/>
               <a:t>			Adds parameters to the request  object.</a:t>
             </a:r>
           </a:p>
@@ -4101,41 +4058,41 @@
               <a:buAutoNum type="arabicParenR"/>
             </a:pPr>
             <a:r>
-              <a:rPr lang="en-US" sz="2400" dirty="0" err="1" smtClean="0"/>
+              <a:rPr lang="en-US" sz="2400" dirty="0" err="1"/>
               <a:t>jsp:useBean</a:t>
             </a:r>
             <a:r>
-              <a:rPr lang="en-US" sz="2400" dirty="0" smtClean="0"/>
+              <a:rPr lang="en-US" sz="2400" dirty="0"/>
               <a:t>		instantiates a </a:t>
             </a:r>
             <a:r>
-              <a:rPr lang="en-US" sz="2400" dirty="0" err="1" smtClean="0"/>
+              <a:rPr lang="en-US" sz="2400" dirty="0" err="1"/>
               <a:t>JavaBean</a:t>
             </a:r>
-            <a:endParaRPr lang="en-US" sz="2400" dirty="0" smtClean="0"/>
+            <a:endParaRPr lang="en-US" sz="2400" dirty="0"/>
           </a:p>
           <a:p>
             <a:pPr marL="457200" indent="-457200" fontAlgn="t">
               <a:buNone/>
             </a:pPr>
             <a:r>
-              <a:rPr lang="en-US" sz="2400" dirty="0" smtClean="0"/>
+              <a:rPr lang="en-US" sz="2400" dirty="0"/>
               <a:t>					&lt;</a:t>
             </a:r>
             <a:r>
-              <a:rPr lang="en-US" sz="2400" dirty="0" err="1" smtClean="0"/>
+              <a:rPr lang="en-US" sz="2400" dirty="0" err="1"/>
               <a:t>jsp:useBean</a:t>
             </a:r>
             <a:r>
-              <a:rPr lang="en-US" sz="2400" dirty="0" smtClean="0"/>
+              <a:rPr lang="en-US" sz="2400" dirty="0"/>
               <a:t> id="</a:t>
             </a:r>
             <a:r>
-              <a:rPr lang="en-US" sz="2400" dirty="0" err="1" smtClean="0"/>
+              <a:rPr lang="en-US" sz="2400" dirty="0" err="1"/>
               <a:t>beanId</a:t>
             </a:r>
             <a:r>
-              <a:rPr lang="en-US" sz="2400" dirty="0" smtClean="0"/>
+              <a:rPr lang="en-US" sz="2400" dirty="0"/>
               <a:t>" /&gt;</a:t>
             </a:r>
           </a:p>
@@ -4144,26 +4101,26 @@
               <a:buFont typeface="Arial" pitchFamily="34" charset="0"/>
               <a:buAutoNum type="arabicParenR"/>
             </a:pPr>
-            <a:endParaRPr lang="en-US" sz="2400" dirty="0" smtClean="0"/>
+            <a:endParaRPr lang="en-US" sz="2400" dirty="0"/>
           </a:p>
           <a:p>
             <a:pPr marL="457200" indent="-457200" fontAlgn="t">
               <a:buFont typeface="Arial" pitchFamily="34" charset="0"/>
               <a:buAutoNum type="arabicParenR"/>
             </a:pPr>
-            <a:endParaRPr lang="en-US" sz="2400" dirty="0" smtClean="0"/>
+            <a:endParaRPr lang="en-US" sz="2400" dirty="0"/>
           </a:p>
           <a:p>
             <a:pPr marL="457200" indent="-457200" fontAlgn="t">
               <a:buAutoNum type="arabicParenR"/>
             </a:pPr>
-            <a:endParaRPr lang="en-US" sz="2400" dirty="0" smtClean="0"/>
+            <a:endParaRPr lang="en-US" sz="2400" dirty="0"/>
           </a:p>
           <a:p>
             <a:pPr marL="457200" indent="-457200" fontAlgn="t">
               <a:buAutoNum type="arabicParenR"/>
             </a:pPr>
-            <a:endParaRPr lang="en-US" sz="2400" dirty="0" smtClean="0"/>
+            <a:endParaRPr lang="en-US" sz="2400" dirty="0"/>
           </a:p>
           <a:p>
             <a:pPr>
@@ -4181,13 +4138,6 @@
   <p:transition>
     <p:newsflash/>
   </p:transition>
-  <p:timing>
-    <p:tnLst>
-      <p:par>
-        <p:cTn id="1" dur="indefinite" restart="never" nodeType="tmRoot"/>
-      </p:par>
-    </p:tnLst>
-  </p:timing>
 </p:sld>
 </file>
 
@@ -4234,23 +4184,23 @@
               <a:buNone/>
             </a:pPr>
             <a:r>
-              <a:rPr lang="en-US" sz="2400" dirty="0" smtClean="0"/>
+              <a:rPr lang="en-US" sz="2400" dirty="0"/>
               <a:t>5) </a:t>
             </a:r>
             <a:r>
-              <a:rPr lang="en-US" sz="2400" dirty="0" err="1" smtClean="0"/>
+              <a:rPr lang="en-US" sz="2400" dirty="0" err="1"/>
               <a:t>jsp:getProperty</a:t>
             </a:r>
             <a:r>
-              <a:rPr lang="en-US" sz="2400" dirty="0" smtClean="0"/>
+              <a:rPr lang="en-US" sz="2400" dirty="0"/>
               <a:t> : retrieves data from the property of any </a:t>
             </a:r>
             <a:r>
-              <a:rPr lang="en-US" sz="2400" dirty="0" err="1" smtClean="0"/>
+              <a:rPr lang="en-US" sz="2400" dirty="0" err="1"/>
               <a:t>JavaBean</a:t>
             </a:r>
             <a:r>
-              <a:rPr lang="en-US" sz="2400" dirty="0" smtClean="0"/>
+              <a:rPr lang="en-US" sz="2400" dirty="0"/>
               <a:t> instance.</a:t>
             </a:r>
           </a:p>
@@ -4259,31 +4209,31 @@
               <a:buNone/>
             </a:pPr>
             <a:r>
-              <a:rPr lang="en-US" sz="2400" dirty="0" smtClean="0"/>
+              <a:rPr lang="en-US" sz="2400" dirty="0"/>
               <a:t>	&lt;</a:t>
             </a:r>
             <a:r>
-              <a:rPr lang="en-US" sz="2400" dirty="0" err="1" smtClean="0"/>
+              <a:rPr lang="en-US" sz="2400" dirty="0" err="1"/>
               <a:t>jsp:useBean</a:t>
             </a:r>
             <a:r>
-              <a:rPr lang="en-US" sz="2400" dirty="0" smtClean="0"/>
+              <a:rPr lang="en-US" sz="2400" dirty="0"/>
               <a:t> id="</a:t>
             </a:r>
             <a:r>
-              <a:rPr lang="en-US" sz="2400" dirty="0" err="1" smtClean="0"/>
+              <a:rPr lang="en-US" sz="2400" dirty="0" err="1"/>
               <a:t>beanId</a:t>
             </a:r>
             <a:r>
-              <a:rPr lang="en-US" sz="2400" dirty="0" smtClean="0"/>
+              <a:rPr lang="en-US" sz="2400" dirty="0"/>
               <a:t>"  class=“</a:t>
             </a:r>
             <a:r>
-              <a:rPr lang="en-US" sz="2400" dirty="0" err="1" smtClean="0"/>
+              <a:rPr lang="en-US" sz="2400" dirty="0" err="1"/>
               <a:t>beanName</a:t>
             </a:r>
             <a:r>
-              <a:rPr lang="en-US" sz="2400" dirty="0" smtClean="0"/>
+              <a:rPr lang="en-US" sz="2400" dirty="0"/>
               <a:t>” /&gt;</a:t>
             </a:r>
           </a:p>
@@ -4292,7 +4242,7 @@
               <a:buNone/>
             </a:pPr>
             <a:r>
-              <a:rPr lang="en-US" sz="2400" dirty="0" smtClean="0"/>
+              <a:rPr lang="en-US" sz="2400" dirty="0"/>
               <a:t>	 ...</a:t>
             </a:r>
           </a:p>
@@ -4301,31 +4251,31 @@
               <a:buNone/>
             </a:pPr>
             <a:r>
-              <a:rPr lang="en-US" sz="2400" dirty="0" smtClean="0"/>
+              <a:rPr lang="en-US" sz="2400" dirty="0"/>
               <a:t>	&lt;</a:t>
             </a:r>
             <a:r>
-              <a:rPr lang="en-US" sz="2400" dirty="0" err="1" smtClean="0"/>
+              <a:rPr lang="en-US" sz="2400" dirty="0" err="1"/>
               <a:t>jsp:getProperty</a:t>
             </a:r>
             <a:r>
-              <a:rPr lang="en-US" sz="2400" dirty="0" smtClean="0"/>
+              <a:rPr lang="en-US" sz="2400" dirty="0"/>
               <a:t> name="</a:t>
             </a:r>
             <a:r>
-              <a:rPr lang="en-US" sz="2400" dirty="0" err="1" smtClean="0"/>
+              <a:rPr lang="en-US" sz="2400" dirty="0" err="1"/>
               <a:t>beanId</a:t>
             </a:r>
             <a:r>
-              <a:rPr lang="en-US" sz="2400" dirty="0" smtClean="0"/>
+              <a:rPr lang="en-US" sz="2400" dirty="0"/>
               <a:t>" property="</a:t>
             </a:r>
             <a:r>
-              <a:rPr lang="en-US" sz="2400" dirty="0" err="1" smtClean="0"/>
+              <a:rPr lang="en-US" sz="2400" dirty="0" err="1"/>
               <a:t>someProperty</a:t>
             </a:r>
             <a:r>
-              <a:rPr lang="en-US" sz="2400" dirty="0" smtClean="0"/>
+              <a:rPr lang="en-US" sz="2400" dirty="0"/>
               <a:t>" .../&gt;</a:t>
             </a:r>
           </a:p>
@@ -4334,15 +4284,15 @@
               <a:buNone/>
             </a:pPr>
             <a:r>
-              <a:rPr lang="en-US" sz="2400" dirty="0" smtClean="0"/>
+              <a:rPr lang="en-US" sz="2400" dirty="0"/>
               <a:t>	Where, </a:t>
             </a:r>
             <a:r>
-              <a:rPr lang="en-US" sz="2400" b="1" dirty="0" err="1" smtClean="0"/>
+              <a:rPr lang="en-US" sz="2400" b="1" dirty="0" err="1"/>
               <a:t>beanName</a:t>
             </a:r>
             <a:r>
-              <a:rPr lang="en-US" sz="2400" dirty="0" smtClean="0"/>
+              <a:rPr lang="en-US" sz="2400" dirty="0"/>
               <a:t> is the name of pre-defined bean whose property we want to access.</a:t>
             </a:r>
           </a:p>
@@ -4351,15 +4301,15 @@
               <a:buNone/>
             </a:pPr>
             <a:r>
-              <a:rPr lang="en-US" sz="2400" dirty="0" smtClean="0"/>
+              <a:rPr lang="en-US" sz="2400" dirty="0"/>
               <a:t>6) </a:t>
             </a:r>
             <a:r>
-              <a:rPr lang="en-US" sz="2400" dirty="0" err="1" smtClean="0"/>
+              <a:rPr lang="en-US" sz="2400" dirty="0" err="1"/>
               <a:t>jsp:setProperty</a:t>
             </a:r>
             <a:r>
-              <a:rPr lang="en-US" sz="2400" dirty="0" smtClean="0"/>
+              <a:rPr lang="en-US" sz="2400" dirty="0"/>
               <a:t> :store data in property of any JavaBeans instance</a:t>
             </a:r>
           </a:p>
@@ -4368,31 +4318,31 @@
               <a:buNone/>
             </a:pPr>
             <a:r>
-              <a:rPr lang="en-US" sz="2400" dirty="0" smtClean="0"/>
+              <a:rPr lang="en-US" sz="2400" dirty="0"/>
               <a:t>	&lt;</a:t>
             </a:r>
             <a:r>
-              <a:rPr lang="en-US" sz="2400" dirty="0" err="1" smtClean="0"/>
+              <a:rPr lang="en-US" sz="2400" dirty="0" err="1"/>
               <a:t>jsp:useBean</a:t>
             </a:r>
             <a:r>
-              <a:rPr lang="en-US" sz="2400" dirty="0" smtClean="0"/>
+              <a:rPr lang="en-US" sz="2400" dirty="0"/>
               <a:t> id="</a:t>
             </a:r>
             <a:r>
-              <a:rPr lang="en-US" sz="2400" dirty="0" err="1" smtClean="0"/>
+              <a:rPr lang="en-US" sz="2400" dirty="0" err="1"/>
               <a:t>beanId</a:t>
             </a:r>
             <a:r>
-              <a:rPr lang="en-US" sz="2400" dirty="0" smtClean="0"/>
+              <a:rPr lang="en-US" sz="2400" dirty="0"/>
               <a:t>"  class=“</a:t>
             </a:r>
             <a:r>
-              <a:rPr lang="en-US" sz="2400" dirty="0" err="1" smtClean="0"/>
+              <a:rPr lang="en-US" sz="2400" dirty="0" err="1"/>
               <a:t>beanName</a:t>
             </a:r>
             <a:r>
-              <a:rPr lang="en-US" sz="2400" dirty="0" smtClean="0"/>
+              <a:rPr lang="en-US" sz="2400" dirty="0"/>
               <a:t>” /&gt; </a:t>
             </a:r>
           </a:p>
@@ -4401,7 +4351,7 @@
               <a:buNone/>
             </a:pPr>
             <a:r>
-              <a:rPr lang="en-US" sz="2400" dirty="0" smtClean="0"/>
+              <a:rPr lang="en-US" sz="2400" dirty="0"/>
               <a:t>	... </a:t>
             </a:r>
           </a:p>
@@ -4410,31 +4360,31 @@
               <a:buNone/>
             </a:pPr>
             <a:r>
-              <a:rPr lang="en-US" sz="2400" dirty="0" smtClean="0"/>
+              <a:rPr lang="en-US" sz="2400" dirty="0"/>
               <a:t>	&lt;</a:t>
             </a:r>
             <a:r>
-              <a:rPr lang="en-US" sz="2400" dirty="0" err="1" smtClean="0"/>
+              <a:rPr lang="en-US" sz="2400" dirty="0" err="1"/>
               <a:t>jsp:setProperty</a:t>
             </a:r>
             <a:r>
-              <a:rPr lang="en-US" sz="2400" dirty="0" smtClean="0"/>
+              <a:rPr lang="en-US" sz="2400" dirty="0"/>
               <a:t> name="</a:t>
             </a:r>
             <a:r>
-              <a:rPr lang="en-US" sz="2400" dirty="0" err="1" smtClean="0"/>
+              <a:rPr lang="en-US" sz="2400" dirty="0" err="1"/>
               <a:t>beanId</a:t>
             </a:r>
             <a:r>
-              <a:rPr lang="en-US" sz="2400" dirty="0" smtClean="0"/>
+              <a:rPr lang="en-US" sz="2400" dirty="0"/>
               <a:t>" property="</a:t>
             </a:r>
             <a:r>
-              <a:rPr lang="en-US" sz="2400" dirty="0" err="1" smtClean="0"/>
+              <a:rPr lang="en-US" sz="2400" dirty="0" err="1"/>
               <a:t>someProperty</a:t>
             </a:r>
             <a:r>
-              <a:rPr lang="en-US" sz="2400" dirty="0" smtClean="0"/>
+              <a:rPr lang="en-US" sz="2400" dirty="0"/>
               <a:t>" value="some value"/&gt;</a:t>
             </a:r>
           </a:p>
@@ -4443,28 +4393,28 @@
               <a:buNone/>
             </a:pPr>
             <a:r>
-              <a:rPr lang="en-US" sz="2400" dirty="0" smtClean="0"/>
+              <a:rPr lang="en-US" sz="2400" dirty="0"/>
               <a:t>	Where, </a:t>
             </a:r>
             <a:r>
-              <a:rPr lang="en-US" sz="2400" b="1" dirty="0" err="1" smtClean="0"/>
+              <a:rPr lang="en-US" sz="2400" b="1" dirty="0" err="1"/>
               <a:t>beanName</a:t>
             </a:r>
             <a:r>
-              <a:rPr lang="en-US" sz="2400" dirty="0" smtClean="0"/>
+              <a:rPr lang="en-US" sz="2400" dirty="0"/>
               <a:t> is the name of pre-defined bean in which we set the value to </a:t>
             </a:r>
             <a:r>
-              <a:rPr lang="en-US" sz="2400" smtClean="0"/>
+              <a:rPr lang="en-US" sz="2400"/>
               <a:t>the property.</a:t>
             </a:r>
-            <a:endParaRPr lang="en-US" sz="2400" dirty="0" smtClean="0"/>
+            <a:endParaRPr lang="en-US" sz="2400" dirty="0"/>
           </a:p>
           <a:p>
             <a:pPr fontAlgn="t">
               <a:buNone/>
             </a:pPr>
-            <a:endParaRPr lang="en-US" sz="2400" dirty="0" smtClean="0"/>
+            <a:endParaRPr lang="en-US" sz="2400" dirty="0"/>
           </a:p>
           <a:p>
             <a:endParaRPr lang="en-US" sz="2400" dirty="0"/>
@@ -4479,13 +4429,6 @@
   <p:transition>
     <p:newsflash/>
   </p:transition>
-  <p:timing>
-    <p:tnLst>
-      <p:par>
-        <p:cTn id="1" dur="indefinite" restart="never" nodeType="tmRoot"/>
-      </p:par>
-    </p:tnLst>
-  </p:timing>
 </p:sld>
 </file>
 
@@ -4524,14 +4467,13 @@
           <a:lstStyle/>
           <a:p>
             <a:r>
-              <a:rPr lang="en-US" dirty="0" err="1" smtClean="0"/>
+              <a:rPr lang="en-US" dirty="0" err="1"/>
               <a:t>jsp:useBean</a:t>
             </a:r>
             <a:r>
-              <a:rPr lang="en-US" dirty="0" smtClean="0"/>
+              <a:rPr lang="en-US" dirty="0"/>
               <a:t> action tag</a:t>
             </a:r>
-            <a:endParaRPr lang="en-US" dirty="0"/>
           </a:p>
         </p:txBody>
       </p:sp>
@@ -4559,47 +4501,47 @@
           <a:p>
             <a:pPr algn="just"/>
             <a:r>
-              <a:rPr lang="en-US" sz="2400" dirty="0" smtClean="0"/>
+              <a:rPr lang="en-US" sz="2400" dirty="0"/>
               <a:t>&lt;</a:t>
             </a:r>
             <a:r>
-              <a:rPr lang="en-US" sz="2400" dirty="0" err="1" smtClean="0"/>
+              <a:rPr lang="en-US" sz="2400" dirty="0" err="1"/>
               <a:t>jsp:useBean</a:t>
             </a:r>
             <a:r>
-              <a:rPr lang="en-US" sz="2400" dirty="0" smtClean="0"/>
+              <a:rPr lang="en-US" sz="2400" dirty="0"/>
               <a:t> id= "</a:t>
             </a:r>
             <a:r>
-              <a:rPr lang="en-US" sz="2400" dirty="0" err="1" smtClean="0"/>
+              <a:rPr lang="en-US" sz="2400" dirty="0" err="1"/>
               <a:t>instanceName</a:t>
             </a:r>
             <a:r>
-              <a:rPr lang="en-US" sz="2400" dirty="0" smtClean="0"/>
+              <a:rPr lang="en-US" sz="2400" dirty="0"/>
               <a:t>" scope= "page | request | session | application"  </a:t>
             </a:r>
             <a:r>
-              <a:rPr lang="en-US" sz="2400" b="1" dirty="0" smtClean="0"/>
+              <a:rPr lang="en-US" sz="2400" b="1" dirty="0"/>
               <a:t>class</a:t>
             </a:r>
             <a:r>
-              <a:rPr lang="en-US" sz="2400" dirty="0" smtClean="0"/>
+              <a:rPr lang="en-US" sz="2400" dirty="0"/>
               <a:t>= "</a:t>
             </a:r>
             <a:r>
-              <a:rPr lang="en-US" sz="2400" dirty="0" err="1" smtClean="0"/>
+              <a:rPr lang="en-US" sz="2400" dirty="0" err="1"/>
               <a:t>packageName.className</a:t>
             </a:r>
             <a:r>
-              <a:rPr lang="en-US" sz="2400" dirty="0" smtClean="0"/>
+              <a:rPr lang="en-US" sz="2400" dirty="0"/>
               <a:t>"&gt;  &lt;/</a:t>
             </a:r>
             <a:r>
-              <a:rPr lang="en-US" sz="2400" dirty="0" err="1" smtClean="0"/>
+              <a:rPr lang="en-US" sz="2400" dirty="0" err="1"/>
               <a:t>jsp:useBean</a:t>
             </a:r>
             <a:r>
-              <a:rPr lang="en-US" sz="2400" dirty="0" smtClean="0"/>
+              <a:rPr lang="en-US" sz="2400" dirty="0"/>
               <a:t>&gt; </a:t>
             </a:r>
           </a:p>
@@ -4607,24 +4549,24 @@
             <a:pPr algn="just">
               <a:buNone/>
             </a:pPr>
-            <a:endParaRPr lang="en-US" sz="2400" dirty="0" smtClean="0"/>
-          </a:p>
-          <a:p>
-            <a:r>
-              <a:rPr lang="en-US" dirty="0" smtClean="0"/>
+            <a:endParaRPr lang="en-US" sz="2400" dirty="0"/>
+          </a:p>
+          <a:p>
+            <a:r>
+              <a:rPr lang="en-US" dirty="0"/>
               <a:t>Attributes and Usage of </a:t>
             </a:r>
             <a:r>
-              <a:rPr lang="en-US" dirty="0" err="1" smtClean="0"/>
+              <a:rPr lang="en-US" dirty="0" err="1"/>
               <a:t>jsp:useBean</a:t>
             </a:r>
             <a:r>
-              <a:rPr lang="en-US" dirty="0" smtClean="0"/>
+              <a:rPr lang="en-US" dirty="0"/>
               <a:t> action tag : </a:t>
             </a:r>
           </a:p>
           <a:p>
-            <a:endParaRPr lang="en-US" dirty="0" smtClean="0"/>
+            <a:endParaRPr lang="en-US" dirty="0"/>
           </a:p>
           <a:p>
             <a:pPr marL="514350" indent="-514350">
@@ -4632,11 +4574,11 @@
               <a:buAutoNum type="alphaLcParenR"/>
             </a:pPr>
             <a:r>
-              <a:rPr lang="en-US" b="1" dirty="0" smtClean="0"/>
+              <a:rPr lang="en-US" b="1" dirty="0"/>
               <a:t>id: </a:t>
             </a:r>
             <a:r>
-              <a:rPr lang="en-US" dirty="0" smtClean="0"/>
+              <a:rPr lang="en-US" dirty="0"/>
               <a:t>is used to identify the bean in the specified scope.</a:t>
             </a:r>
           </a:p>
@@ -4646,19 +4588,19 @@
               <a:buAutoNum type="alphaLcParenR"/>
             </a:pPr>
             <a:r>
-              <a:rPr lang="en-US" b="1" dirty="0" smtClean="0"/>
+              <a:rPr lang="en-US" b="1" dirty="0"/>
               <a:t>class: </a:t>
             </a:r>
             <a:r>
-              <a:rPr lang="en-US" dirty="0" smtClean="0"/>
+              <a:rPr lang="en-US" dirty="0"/>
               <a:t>instantiates the specified bean class (i.e. creates an object of the bean class) but it must have no-</a:t>
             </a:r>
             <a:r>
-              <a:rPr lang="en-US" dirty="0" err="1" smtClean="0"/>
+              <a:rPr lang="en-US" dirty="0" err="1"/>
               <a:t>arg</a:t>
             </a:r>
             <a:r>
-              <a:rPr lang="en-US" dirty="0" smtClean="0"/>
+              <a:rPr lang="en-US" dirty="0"/>
               <a:t> or no constructor and must not be abstract.</a:t>
             </a:r>
           </a:p>
@@ -4672,13 +4614,6 @@
   <p:transition>
     <p:newsflash/>
   </p:transition>
-  <p:timing>
-    <p:tnLst>
-      <p:par>
-        <p:cTn id="1" dur="indefinite" restart="never" nodeType="tmRoot"/>
-      </p:par>
-    </p:tnLst>
-  </p:timing>
 </p:sld>
 </file>
 
@@ -4725,7 +4660,7 @@
               <a:buFont typeface="+mj-lt"/>
               <a:buAutoNum type="alphaLcParenR"/>
             </a:pPr>
-            <a:endParaRPr lang="en-US" dirty="0" smtClean="0"/>
+            <a:endParaRPr lang="en-US" dirty="0"/>
           </a:p>
           <a:p>
             <a:pPr marL="514350" indent="-514350">
@@ -4733,11 +4668,11 @@
               <a:buAutoNum type="alphaLcParenR"/>
             </a:pPr>
             <a:r>
-              <a:rPr lang="en-US" b="1" dirty="0" smtClean="0"/>
+              <a:rPr lang="en-US" b="1" dirty="0"/>
               <a:t>scope: </a:t>
             </a:r>
             <a:r>
-              <a:rPr lang="en-US" dirty="0" smtClean="0"/>
+              <a:rPr lang="en-US" dirty="0"/>
               <a:t>represents the scope of the bean. It may be page, request, session or application. The default scope is page.</a:t>
             </a:r>
           </a:p>
@@ -4747,11 +4682,11 @@
               <a:buAutoNum type="romanLcPeriod"/>
             </a:pPr>
             <a:r>
-              <a:rPr lang="en-US" b="1" dirty="0" smtClean="0"/>
+              <a:rPr lang="en-US" b="1" dirty="0"/>
               <a:t>page: </a:t>
             </a:r>
             <a:r>
-              <a:rPr lang="en-US" dirty="0" smtClean="0"/>
+              <a:rPr lang="en-US" dirty="0"/>
               <a:t>specifies that you can use this bean within the JSP page. The default scope is page.</a:t>
             </a:r>
           </a:p>
@@ -4761,11 +4696,11 @@
               <a:buAutoNum type="romanLcPeriod"/>
             </a:pPr>
             <a:r>
-              <a:rPr lang="en-US" b="1" dirty="0" smtClean="0"/>
+              <a:rPr lang="en-US" b="1" dirty="0"/>
               <a:t>request: </a:t>
             </a:r>
             <a:r>
-              <a:rPr lang="en-US" dirty="0" smtClean="0"/>
+              <a:rPr lang="en-US" dirty="0"/>
               <a:t>specifies that you can use this bean from any JSP page that processes the same request. It has wider scope than page.</a:t>
             </a:r>
           </a:p>
@@ -4775,11 +4710,11 @@
               <a:buAutoNum type="romanLcPeriod"/>
             </a:pPr>
             <a:r>
-              <a:rPr lang="en-US" b="1" dirty="0" smtClean="0"/>
+              <a:rPr lang="en-US" b="1" dirty="0"/>
               <a:t>session: </a:t>
             </a:r>
             <a:r>
-              <a:rPr lang="en-US" dirty="0" smtClean="0"/>
+              <a:rPr lang="en-US" dirty="0"/>
               <a:t>specifies that you can use this bean from any JSP page in the same session whether processes the same request or not. It has wider scope than request.</a:t>
             </a:r>
           </a:p>
@@ -4789,11 +4724,11 @@
               <a:buAutoNum type="romanLcPeriod"/>
             </a:pPr>
             <a:r>
-              <a:rPr lang="en-US" b="1" dirty="0" smtClean="0"/>
+              <a:rPr lang="en-US" b="1" dirty="0"/>
               <a:t>application: </a:t>
             </a:r>
             <a:r>
-              <a:rPr lang="en-US" dirty="0" smtClean="0"/>
+              <a:rPr lang="en-US" dirty="0"/>
               <a:t>specifies that you can use this bean from any JSP page in the same application. It has wider scope than session.</a:t>
             </a:r>
           </a:p>
@@ -4846,10 +4781,9 @@
           <a:lstStyle/>
           <a:p>
             <a:r>
-              <a:rPr lang="en-US" dirty="0" smtClean="0"/>
+              <a:rPr lang="en-US" dirty="0"/>
               <a:t>What is AJAX ? </a:t>
             </a:r>
-            <a:endParaRPr lang="en-US" dirty="0"/>
           </a:p>
         </p:txBody>
       </p:sp>
@@ -4872,70 +4806,70 @@
           <a:p>
             <a:pPr algn="just"/>
             <a:r>
-              <a:rPr lang="en-US" sz="2200" dirty="0" smtClean="0"/>
+              <a:rPr lang="en-US" sz="2200" dirty="0"/>
               <a:t>AJAX = </a:t>
             </a:r>
             <a:r>
-              <a:rPr lang="en-US" sz="2200" b="1" dirty="0" smtClean="0"/>
+              <a:rPr lang="en-US" sz="2200" b="1" dirty="0"/>
               <a:t>A</a:t>
             </a:r>
             <a:r>
-              <a:rPr lang="en-US" sz="2200" dirty="0" smtClean="0"/>
+              <a:rPr lang="en-US" sz="2200" dirty="0"/>
               <a:t>synchronous </a:t>
             </a:r>
             <a:r>
-              <a:rPr lang="en-US" sz="2200" b="1" dirty="0" smtClean="0"/>
+              <a:rPr lang="en-US" sz="2200" b="1" dirty="0"/>
               <a:t>J</a:t>
             </a:r>
             <a:r>
-              <a:rPr lang="en-US" sz="2200" dirty="0" smtClean="0"/>
+              <a:rPr lang="en-US" sz="2200" dirty="0"/>
               <a:t>avaScript </a:t>
             </a:r>
             <a:r>
-              <a:rPr lang="en-US" sz="2200" b="1" dirty="0" smtClean="0"/>
+              <a:rPr lang="en-US" sz="2200" b="1" dirty="0"/>
               <a:t>A</a:t>
             </a:r>
             <a:r>
-              <a:rPr lang="en-US" sz="2200" dirty="0" smtClean="0"/>
+              <a:rPr lang="en-US" sz="2200" dirty="0"/>
               <a:t>nd </a:t>
             </a:r>
             <a:r>
-              <a:rPr lang="en-US" sz="2200" b="1" dirty="0" smtClean="0"/>
+              <a:rPr lang="en-US" sz="2200" b="1" dirty="0"/>
               <a:t>X</a:t>
             </a:r>
             <a:r>
-              <a:rPr lang="en-US" sz="2200" dirty="0" smtClean="0"/>
+              <a:rPr lang="en-US" sz="2200" dirty="0"/>
               <a:t>ML.</a:t>
             </a:r>
           </a:p>
           <a:p>
             <a:pPr algn="just"/>
             <a:r>
-              <a:rPr lang="en-US" sz="2400" b="1" dirty="0" smtClean="0"/>
+              <a:rPr lang="en-US" sz="2400" b="1" dirty="0"/>
               <a:t>Ajax</a:t>
             </a:r>
             <a:r>
-              <a:rPr lang="en-US" sz="2400" dirty="0" smtClean="0"/>
+              <a:rPr lang="en-US" sz="2400" dirty="0"/>
               <a:t> is not a programming </a:t>
             </a:r>
             <a:r>
-              <a:rPr lang="en-US" sz="2400" b="1" dirty="0" smtClean="0"/>
+              <a:rPr lang="en-US" sz="2400" b="1" dirty="0"/>
               <a:t>language</a:t>
             </a:r>
             <a:r>
-              <a:rPr lang="en-US" sz="2400" dirty="0" smtClean="0"/>
+              <a:rPr lang="en-US" sz="2400" dirty="0"/>
               <a:t>, it is a concept.</a:t>
             </a:r>
-            <a:endParaRPr lang="en-US" sz="2200" dirty="0" smtClean="0"/>
+            <a:endParaRPr lang="en-US" sz="2200" dirty="0"/>
           </a:p>
           <a:p>
             <a:pPr algn="just"/>
-            <a:endParaRPr lang="en-US" sz="2200" dirty="0" smtClean="0"/>
+            <a:endParaRPr lang="en-US" sz="2200" dirty="0"/>
           </a:p>
           <a:p>
             <a:pPr algn="just"/>
             <a:r>
-              <a:rPr lang="en-US" sz="2200" dirty="0" smtClean="0"/>
+              <a:rPr lang="en-US" sz="2200" dirty="0"/>
               <a:t>AJAX just uses a combination of:</a:t>
             </a:r>
           </a:p>
@@ -4945,16 +4879,16 @@
               <a:buAutoNum type="arabicPeriod"/>
             </a:pPr>
             <a:r>
-              <a:rPr lang="en-US" sz="2200" dirty="0" smtClean="0"/>
+              <a:rPr lang="en-US" sz="2200" dirty="0"/>
               <a:t>A browser built-in </a:t>
             </a:r>
             <a:r>
-              <a:rPr lang="en-US" sz="2200" dirty="0" err="1" smtClean="0"/>
+              <a:rPr lang="en-US" sz="2200" dirty="0" err="1"/>
               <a:t>XMLHttpRequest</a:t>
             </a:r>
             <a:r>
-              <a:rPr lang="en-US" sz="2200" dirty="0" smtClean="0"/>
-              <a:t> object (to request data from a web server)</a:t>
+              <a:rPr lang="en-US" sz="2200" dirty="0"/>
+              <a:t> API (to request data from a web server)</a:t>
             </a:r>
           </a:p>
           <a:p>
@@ -4963,7 +4897,7 @@
               <a:buAutoNum type="arabicPeriod"/>
             </a:pPr>
             <a:r>
-              <a:rPr lang="en-US" sz="2200" dirty="0" smtClean="0"/>
+              <a:rPr lang="en-US" sz="2200" dirty="0"/>
               <a:t>JavaScript and HTML DOM (to display or use the data)</a:t>
             </a:r>
           </a:p>
@@ -4972,12 +4906,12 @@
               <a:buFont typeface="+mj-lt"/>
               <a:buAutoNum type="arabicPeriod"/>
             </a:pPr>
-            <a:endParaRPr lang="en-US" sz="2200" dirty="0" smtClean="0"/>
+            <a:endParaRPr lang="en-US" sz="2200" dirty="0"/>
           </a:p>
           <a:p>
             <a:pPr algn="just"/>
             <a:r>
-              <a:rPr lang="en-US" sz="2200" dirty="0" smtClean="0"/>
+              <a:rPr lang="en-US" sz="2200" dirty="0"/>
               <a:t>AJAX allows web pages to be updated asynchronously by exchanging data with a web server behind the scenes. This means that it is possible to update parts of a web page, without reloading the whole page.</a:t>
             </a:r>
           </a:p>
@@ -4985,12 +4919,8 @@
             <a:pPr algn="just">
               <a:buNone/>
             </a:pPr>
-            <a:r>
-              <a:rPr lang="en-US" sz="2200" dirty="0" smtClean="0"/>
-              <a:t/>
-            </a:r>
             <a:br>
-              <a:rPr lang="en-US" sz="2200" dirty="0" smtClean="0"/>
+              <a:rPr lang="en-US" sz="2200" dirty="0"/>
             </a:br>
             <a:endParaRPr lang="en-US" sz="2200" dirty="0"/>
           </a:p>
@@ -5040,10 +4970,9 @@
           <a:lstStyle/>
           <a:p>
             <a:r>
-              <a:rPr lang="en-US" dirty="0" smtClean="0"/>
+              <a:rPr lang="en-US" dirty="0"/>
               <a:t>How AJAX Works ?</a:t>
             </a:r>
-            <a:endParaRPr lang="en-US" dirty="0"/>
           </a:p>
         </p:txBody>
       </p:sp>
@@ -5122,65 +5051,65 @@
           <a:p>
             <a:pPr algn="just"/>
             <a:r>
-              <a:rPr lang="en-US" sz="2600" dirty="0" smtClean="0"/>
+              <a:rPr lang="en-US" sz="2600" dirty="0"/>
               <a:t>JSP enables us to write HTML pages containing tags, inside which we can include powerful Java programs. </a:t>
             </a:r>
           </a:p>
           <a:p>
             <a:pPr algn="just"/>
             <a:r>
-              <a:rPr lang="en-US" sz="2600" dirty="0" smtClean="0"/>
+              <a:rPr lang="en-US" sz="2600" dirty="0"/>
               <a:t>In the end a JSP becomes a </a:t>
             </a:r>
             <a:r>
-              <a:rPr lang="en-US" sz="2600" dirty="0" err="1" smtClean="0"/>
+              <a:rPr lang="en-US" sz="2600" dirty="0" err="1"/>
               <a:t>Servlet</a:t>
             </a:r>
-            <a:endParaRPr lang="en-US" sz="2600" dirty="0" smtClean="0"/>
-          </a:p>
-          <a:p>
-            <a:r>
-              <a:rPr lang="en-US" sz="2600" b="1" dirty="0" smtClean="0"/>
+            <a:endParaRPr lang="en-US" sz="2600" dirty="0"/>
+          </a:p>
+          <a:p>
+            <a:r>
+              <a:rPr lang="en-US" sz="2600" b="1" dirty="0"/>
               <a:t>JSP</a:t>
             </a:r>
             <a:r>
-              <a:rPr lang="en-US" sz="2600" dirty="0" smtClean="0"/>
+              <a:rPr lang="en-US" sz="2600" dirty="0"/>
               <a:t> pages are converted into </a:t>
             </a:r>
             <a:r>
-              <a:rPr lang="en-US" sz="2600" b="1" dirty="0" err="1" smtClean="0"/>
+              <a:rPr lang="en-US" sz="2600" b="1" dirty="0" err="1"/>
               <a:t>Servlet</a:t>
             </a:r>
             <a:r>
-              <a:rPr lang="en-US" sz="2600" dirty="0" smtClean="0"/>
+              <a:rPr lang="en-US" sz="2600" dirty="0"/>
               <a:t> by the Web Container. The Container translates a JSP page into </a:t>
             </a:r>
             <a:r>
-              <a:rPr lang="en-US" sz="2600" dirty="0" err="1" smtClean="0"/>
+              <a:rPr lang="en-US" sz="2600" dirty="0" err="1"/>
               <a:t>servlet</a:t>
             </a:r>
             <a:r>
-              <a:rPr lang="en-US" sz="2600" dirty="0" smtClean="0"/>
+              <a:rPr lang="en-US" sz="2600" dirty="0"/>
               <a:t> </a:t>
             </a:r>
             <a:r>
-              <a:rPr lang="en-US" sz="2600" b="1" dirty="0" smtClean="0"/>
+              <a:rPr lang="en-US" sz="2600" b="1" dirty="0"/>
               <a:t>class source(.java)</a:t>
             </a:r>
             <a:r>
-              <a:rPr lang="en-US" sz="2600" dirty="0" smtClean="0"/>
+              <a:rPr lang="en-US" sz="2600" dirty="0"/>
               <a:t> file and then compiles into a Java </a:t>
             </a:r>
             <a:r>
-              <a:rPr lang="en-US" sz="2600" dirty="0" err="1" smtClean="0"/>
+              <a:rPr lang="en-US" sz="2600" dirty="0" err="1"/>
               <a:t>Servlet</a:t>
             </a:r>
             <a:r>
-              <a:rPr lang="en-US" sz="2600" dirty="0" smtClean="0"/>
+              <a:rPr lang="en-US" sz="2600" dirty="0"/>
               <a:t> class.</a:t>
             </a:r>
             <a:br>
-              <a:rPr lang="en-US" sz="2600" dirty="0" smtClean="0"/>
+              <a:rPr lang="en-US" sz="2600" dirty="0"/>
             </a:br>
             <a:endParaRPr lang="en-US" sz="2600" dirty="0"/>
           </a:p>
@@ -5218,13 +5147,6 @@
   <p:transition>
     <p:newsflash/>
   </p:transition>
-  <p:timing>
-    <p:tnLst>
-      <p:par>
-        <p:cTn id="1" dur="indefinite" restart="never" nodeType="tmRoot"/>
-      </p:par>
-    </p:tnLst>
-  </p:timing>
 </p:sld>
 </file>
 
@@ -5261,10 +5183,9 @@
           <a:lstStyle/>
           <a:p>
             <a:r>
-              <a:rPr lang="en-US" dirty="0" smtClean="0"/>
+              <a:rPr lang="en-US" dirty="0"/>
               <a:t>Steps</a:t>
             </a:r>
-            <a:endParaRPr lang="en-US" dirty="0"/>
           </a:p>
         </p:txBody>
       </p:sp>
@@ -5289,7 +5210,7 @@
               <a:buNone/>
             </a:pPr>
             <a:r>
-              <a:rPr lang="en-US" dirty="0" smtClean="0"/>
+              <a:rPr lang="en-US" dirty="0"/>
               <a:t>1. An event occurs in a web page (the page is loaded, a button is clicked)</a:t>
             </a:r>
           </a:p>
@@ -5298,15 +5219,15 @@
               <a:buNone/>
             </a:pPr>
             <a:r>
-              <a:rPr lang="en-US" dirty="0" smtClean="0"/>
+              <a:rPr lang="en-US" dirty="0"/>
               <a:t>2. An </a:t>
             </a:r>
             <a:r>
-              <a:rPr lang="en-US" dirty="0" err="1" smtClean="0"/>
+              <a:rPr lang="en-US" dirty="0" err="1"/>
               <a:t>XMLHttpRequest</a:t>
             </a:r>
             <a:r>
-              <a:rPr lang="en-US" dirty="0" smtClean="0"/>
+              <a:rPr lang="en-US" dirty="0"/>
               <a:t> object is created by JavaScript</a:t>
             </a:r>
           </a:p>
@@ -5315,15 +5236,15 @@
               <a:buNone/>
             </a:pPr>
             <a:r>
-              <a:rPr lang="en-US" dirty="0" smtClean="0"/>
+              <a:rPr lang="en-US" dirty="0"/>
               <a:t>3. The </a:t>
             </a:r>
             <a:r>
-              <a:rPr lang="en-US" dirty="0" err="1" smtClean="0"/>
+              <a:rPr lang="en-US" dirty="0" err="1"/>
               <a:t>XMLHttpRequest</a:t>
             </a:r>
             <a:r>
-              <a:rPr lang="en-US" dirty="0" smtClean="0"/>
+              <a:rPr lang="en-US" dirty="0"/>
               <a:t> object sends a request to a web server</a:t>
             </a:r>
           </a:p>
@@ -5332,7 +5253,7 @@
               <a:buNone/>
             </a:pPr>
             <a:r>
-              <a:rPr lang="en-US" dirty="0" smtClean="0"/>
+              <a:rPr lang="en-US" dirty="0"/>
               <a:t>4. The server processes the request</a:t>
             </a:r>
           </a:p>
@@ -5341,7 +5262,7 @@
               <a:buNone/>
             </a:pPr>
             <a:r>
-              <a:rPr lang="en-US" dirty="0" smtClean="0"/>
+              <a:rPr lang="en-US" dirty="0"/>
               <a:t>5. The server sends a response back to the web page</a:t>
             </a:r>
           </a:p>
@@ -5350,7 +5271,7 @@
               <a:buNone/>
             </a:pPr>
             <a:r>
-              <a:rPr lang="en-US" dirty="0" smtClean="0"/>
+              <a:rPr lang="en-US" dirty="0"/>
               <a:t>6. The response is read by JavaScript</a:t>
             </a:r>
           </a:p>
@@ -5359,7 +5280,7 @@
               <a:buNone/>
             </a:pPr>
             <a:r>
-              <a:rPr lang="en-US" dirty="0" smtClean="0"/>
+              <a:rPr lang="en-US" dirty="0"/>
               <a:t>7. Proper action (like page update) is performed by JavaScript</a:t>
             </a:r>
           </a:p>
@@ -5417,18 +5338,17 @@
           <a:lstStyle/>
           <a:p>
             <a:r>
-              <a:rPr lang="en-US" dirty="0" smtClean="0"/>
+              <a:rPr lang="en-US" dirty="0"/>
               <a:t>Create an </a:t>
             </a:r>
             <a:r>
-              <a:rPr lang="en-US" dirty="0" err="1" smtClean="0"/>
+              <a:rPr lang="en-US" dirty="0" err="1"/>
               <a:t>XMLHttpRequest</a:t>
             </a:r>
             <a:r>
-              <a:rPr lang="en-US" dirty="0" smtClean="0"/>
+              <a:rPr lang="en-US" dirty="0"/>
               <a:t> Object</a:t>
             </a:r>
-            <a:endParaRPr lang="en-US" dirty="0"/>
           </a:p>
         </p:txBody>
       </p:sp>
@@ -5451,34 +5371,34 @@
           <a:p>
             <a:pPr algn="just"/>
             <a:r>
-              <a:rPr lang="en-US" dirty="0" smtClean="0"/>
+              <a:rPr lang="en-US" dirty="0"/>
               <a:t>All modern browsers (Chrome, Firefox, IE7+, Edge, Safari, Opera) have a built-in </a:t>
             </a:r>
             <a:r>
-              <a:rPr lang="en-US" dirty="0" err="1" smtClean="0"/>
+              <a:rPr lang="en-US" dirty="0" err="1"/>
               <a:t>XMLHttpRequest</a:t>
             </a:r>
             <a:r>
-              <a:rPr lang="en-US" dirty="0" smtClean="0"/>
+              <a:rPr lang="en-US" dirty="0"/>
               <a:t> object.</a:t>
             </a:r>
           </a:p>
           <a:p>
             <a:pPr algn="just"/>
-            <a:endParaRPr lang="en-US" dirty="0" smtClean="0"/>
+            <a:endParaRPr lang="en-US" dirty="0"/>
           </a:p>
           <a:p>
             <a:pPr algn="just"/>
             <a:r>
-              <a:rPr lang="en-US" dirty="0" smtClean="0"/>
+              <a:rPr lang="en-US" dirty="0"/>
               <a:t>Syntax for creating an </a:t>
             </a:r>
             <a:r>
-              <a:rPr lang="en-US" dirty="0" err="1" smtClean="0"/>
+              <a:rPr lang="en-US" dirty="0" err="1"/>
               <a:t>XMLHttpRequest</a:t>
             </a:r>
             <a:r>
-              <a:rPr lang="en-US" dirty="0" smtClean="0"/>
+              <a:rPr lang="en-US" dirty="0"/>
               <a:t> object:</a:t>
             </a:r>
           </a:p>
@@ -5487,19 +5407,19 @@
               <a:buNone/>
             </a:pPr>
             <a:r>
-              <a:rPr lang="en-US" i="1" dirty="0" smtClean="0"/>
+              <a:rPr lang="en-US" i="1" dirty="0"/>
               <a:t>	variable </a:t>
             </a:r>
             <a:r>
-              <a:rPr lang="en-US" dirty="0" smtClean="0"/>
+              <a:rPr lang="en-US" dirty="0"/>
               <a:t>= new </a:t>
             </a:r>
             <a:r>
-              <a:rPr lang="en-US" dirty="0" err="1" smtClean="0"/>
+              <a:rPr lang="en-US" dirty="0" err="1"/>
               <a:t>XMLHttpRequest</a:t>
             </a:r>
             <a:r>
-              <a:rPr lang="en-US" dirty="0" smtClean="0"/>
+              <a:rPr lang="en-US" dirty="0"/>
               <a:t>();</a:t>
             </a:r>
           </a:p>
@@ -5507,12 +5427,12 @@
             <a:pPr algn="just">
               <a:buNone/>
             </a:pPr>
-            <a:endParaRPr lang="en-US" dirty="0" smtClean="0"/>
+            <a:endParaRPr lang="en-US" dirty="0"/>
           </a:p>
           <a:p>
             <a:pPr algn="just"/>
             <a:r>
-              <a:rPr lang="en-US" dirty="0" smtClean="0"/>
+              <a:rPr lang="en-US" dirty="0"/>
               <a:t>Example</a:t>
             </a:r>
           </a:p>
@@ -5521,31 +5441,31 @@
               <a:buNone/>
             </a:pPr>
             <a:r>
-              <a:rPr lang="en-US" dirty="0" smtClean="0"/>
+              <a:rPr lang="en-US" dirty="0"/>
               <a:t>	</a:t>
             </a:r>
             <a:r>
-              <a:rPr lang="en-US" dirty="0" err="1" smtClean="0"/>
+              <a:rPr lang="en-US" dirty="0" err="1"/>
               <a:t>var</a:t>
             </a:r>
             <a:r>
-              <a:rPr lang="en-US" dirty="0" smtClean="0"/>
+              <a:rPr lang="en-US" dirty="0"/>
               <a:t> </a:t>
             </a:r>
             <a:r>
-              <a:rPr lang="en-US" dirty="0" err="1" smtClean="0"/>
+              <a:rPr lang="en-US" dirty="0" err="1"/>
               <a:t>xhttp</a:t>
             </a:r>
             <a:r>
-              <a:rPr lang="en-US" dirty="0" smtClean="0"/>
+              <a:rPr lang="en-US" dirty="0"/>
               <a:t> = new </a:t>
             </a:r>
             <a:r>
-              <a:rPr lang="en-US" dirty="0" err="1" smtClean="0"/>
+              <a:rPr lang="en-US" dirty="0" err="1"/>
               <a:t>XMLHttpRequest</a:t>
             </a:r>
             <a:r>
-              <a:rPr lang="en-US" dirty="0" smtClean="0"/>
+              <a:rPr lang="en-US" dirty="0"/>
               <a:t>();</a:t>
             </a:r>
           </a:p>
@@ -5553,12 +5473,8 @@
             <a:pPr algn="just">
               <a:buNone/>
             </a:pPr>
-            <a:r>
-              <a:rPr lang="en-US" dirty="0" smtClean="0"/>
-              <a:t/>
-            </a:r>
             <a:br>
-              <a:rPr lang="en-US" dirty="0" smtClean="0"/>
+              <a:rPr lang="en-US" dirty="0"/>
             </a:br>
             <a:endParaRPr lang="en-US" dirty="0"/>
           </a:p>
@@ -5710,10 +5626,9 @@
           <a:lstStyle/>
           <a:p>
             <a:r>
-              <a:rPr lang="en-US" dirty="0" smtClean="0"/>
+              <a:rPr lang="en-US" dirty="0"/>
               <a:t>Note</a:t>
             </a:r>
-            <a:endParaRPr lang="en-US" dirty="0"/>
           </a:p>
         </p:txBody>
       </p:sp>
@@ -5734,26 +5649,25 @@
           <a:p>
             <a:pPr algn="just"/>
             <a:r>
-              <a:rPr lang="en-US" dirty="0" smtClean="0"/>
+              <a:rPr lang="en-US" dirty="0"/>
               <a:t>Synchronous </a:t>
             </a:r>
             <a:r>
-              <a:rPr lang="en-US" dirty="0" err="1" smtClean="0"/>
+              <a:rPr lang="en-US" dirty="0" err="1"/>
               <a:t>XMLHttpRequest</a:t>
             </a:r>
             <a:r>
-              <a:rPr lang="en-US" dirty="0" smtClean="0"/>
+              <a:rPr lang="en-US" dirty="0"/>
               <a:t> (</a:t>
             </a:r>
             <a:r>
-              <a:rPr lang="en-US" dirty="0" err="1" smtClean="0"/>
+              <a:rPr lang="en-US" dirty="0" err="1"/>
               <a:t>async</a:t>
             </a:r>
             <a:r>
-              <a:rPr lang="en-US" dirty="0" smtClean="0"/>
+              <a:rPr lang="en-US" dirty="0"/>
               <a:t> = false) is not recommended because the JavaScript will stop executing until the server response is ready. If the server is busy or slow, the application will hang or stop.</a:t>
             </a:r>
-            <a:endParaRPr lang="en-US" dirty="0"/>
           </a:p>
         </p:txBody>
       </p:sp>
@@ -5803,10 +5717,9 @@
           <a:lstStyle/>
           <a:p>
             <a:r>
-              <a:rPr lang="en-US" dirty="0" smtClean="0"/>
+              <a:rPr lang="en-US" dirty="0"/>
               <a:t>Send a Request To a Server</a:t>
             </a:r>
-            <a:endParaRPr lang="en-US" dirty="0"/>
           </a:p>
         </p:txBody>
       </p:sp>
@@ -5827,15 +5740,15 @@
           <a:p>
             <a:pPr algn="just"/>
             <a:r>
-              <a:rPr lang="en-US" dirty="0" smtClean="0"/>
+              <a:rPr lang="en-US" dirty="0"/>
               <a:t>To send a request to a server, we use the open() and send() methods of the </a:t>
             </a:r>
             <a:r>
-              <a:rPr lang="en-US" dirty="0" err="1" smtClean="0"/>
+              <a:rPr lang="en-US" dirty="0" err="1"/>
               <a:t>XMLHttpRequest</a:t>
             </a:r>
             <a:r>
-              <a:rPr lang="en-US" dirty="0" smtClean="0"/>
+              <a:rPr lang="en-US" dirty="0"/>
               <a:t> object:</a:t>
             </a:r>
           </a:p>
@@ -5845,11 +5758,11 @@
               <a:buAutoNum type="arabicPeriod"/>
             </a:pPr>
             <a:r>
-              <a:rPr lang="en-US" dirty="0" err="1" smtClean="0"/>
+              <a:rPr lang="en-US" dirty="0" err="1"/>
               <a:t>xhttp.open</a:t>
             </a:r>
             <a:r>
-              <a:rPr lang="en-US" dirty="0" smtClean="0"/>
+              <a:rPr lang="en-US" dirty="0"/>
               <a:t>("GET", "ajax_info.txt", true);</a:t>
             </a:r>
           </a:p>
@@ -5859,11 +5772,11 @@
               <a:buAutoNum type="arabicPeriod"/>
             </a:pPr>
             <a:r>
-              <a:rPr lang="en-US" dirty="0" err="1" smtClean="0"/>
+              <a:rPr lang="en-US" dirty="0" err="1"/>
               <a:t>xhttp.send</a:t>
             </a:r>
             <a:r>
-              <a:rPr lang="en-US" dirty="0" smtClean="0"/>
+              <a:rPr lang="en-US" dirty="0"/>
               <a:t>();</a:t>
             </a:r>
           </a:p>
@@ -5919,18 +5832,17 @@
           <a:lstStyle/>
           <a:p>
             <a:r>
-              <a:rPr lang="en-US" dirty="0" smtClean="0"/>
+              <a:rPr lang="en-US" dirty="0"/>
               <a:t>The </a:t>
             </a:r>
             <a:r>
-              <a:rPr lang="en-US" dirty="0" err="1" smtClean="0"/>
+              <a:rPr lang="en-US" dirty="0" err="1"/>
               <a:t>onreadystatechange</a:t>
             </a:r>
             <a:r>
-              <a:rPr lang="en-US" dirty="0" smtClean="0"/>
+              <a:rPr lang="en-US" dirty="0"/>
               <a:t> Property</a:t>
             </a:r>
-            <a:endParaRPr lang="en-US" dirty="0"/>
           </a:p>
         </p:txBody>
       </p:sp>
@@ -5953,136 +5865,136 @@
           <a:p>
             <a:pPr algn="just"/>
             <a:r>
-              <a:rPr lang="en-US" dirty="0" smtClean="0"/>
+              <a:rPr lang="en-US" dirty="0"/>
               <a:t>The </a:t>
             </a:r>
             <a:r>
-              <a:rPr lang="en-US" dirty="0" err="1" smtClean="0"/>
+              <a:rPr lang="en-US" dirty="0" err="1"/>
               <a:t>onreadystatechange</a:t>
             </a:r>
             <a:r>
-              <a:rPr lang="en-US" dirty="0" smtClean="0"/>
+              <a:rPr lang="en-US" dirty="0"/>
               <a:t> property defines a function to be executed when the </a:t>
             </a:r>
             <a:r>
-              <a:rPr lang="en-US" dirty="0" err="1" smtClean="0"/>
+              <a:rPr lang="en-US" dirty="0" err="1"/>
               <a:t>readyState</a:t>
             </a:r>
             <a:r>
-              <a:rPr lang="en-US" dirty="0" smtClean="0"/>
+              <a:rPr lang="en-US" dirty="0"/>
               <a:t> changes.</a:t>
             </a:r>
           </a:p>
           <a:p>
             <a:pPr algn="just"/>
             <a:r>
-              <a:rPr lang="en-US" dirty="0" smtClean="0"/>
+              <a:rPr lang="en-US" dirty="0"/>
               <a:t>The </a:t>
             </a:r>
             <a:r>
-              <a:rPr lang="en-US" dirty="0" err="1" smtClean="0"/>
+              <a:rPr lang="en-US" dirty="0" err="1"/>
               <a:t>readyState</a:t>
             </a:r>
             <a:r>
-              <a:rPr lang="en-US" dirty="0" smtClean="0"/>
+              <a:rPr lang="en-US" dirty="0"/>
               <a:t> property holds the status of the </a:t>
             </a:r>
             <a:r>
-              <a:rPr lang="en-US" dirty="0" err="1" smtClean="0"/>
+              <a:rPr lang="en-US" dirty="0" err="1"/>
               <a:t>XMLHttpRequest</a:t>
             </a:r>
             <a:r>
-              <a:rPr lang="en-US" dirty="0" smtClean="0"/>
+              <a:rPr lang="en-US" dirty="0"/>
               <a:t>.</a:t>
             </a:r>
           </a:p>
           <a:p>
             <a:pPr algn="just"/>
             <a:r>
-              <a:rPr lang="en-US" dirty="0" smtClean="0"/>
+              <a:rPr lang="en-US" dirty="0"/>
               <a:t>The status property and the </a:t>
             </a:r>
             <a:r>
-              <a:rPr lang="en-US" dirty="0" err="1" smtClean="0"/>
+              <a:rPr lang="en-US" dirty="0" err="1"/>
               <a:t>statusText</a:t>
             </a:r>
             <a:r>
-              <a:rPr lang="en-US" dirty="0" smtClean="0"/>
+              <a:rPr lang="en-US" dirty="0"/>
               <a:t> property holds the status of the </a:t>
             </a:r>
             <a:r>
-              <a:rPr lang="en-US" dirty="0" err="1" smtClean="0"/>
+              <a:rPr lang="en-US" dirty="0" err="1"/>
               <a:t>XMLHttpRequest</a:t>
             </a:r>
             <a:r>
-              <a:rPr lang="en-US" dirty="0" smtClean="0"/>
+              <a:rPr lang="en-US" dirty="0"/>
               <a:t> object.</a:t>
             </a:r>
           </a:p>
           <a:p>
             <a:pPr algn="just"/>
             <a:r>
-              <a:rPr lang="en-US" dirty="0" smtClean="0"/>
+              <a:rPr lang="en-US" dirty="0"/>
               <a:t>The </a:t>
             </a:r>
             <a:r>
-              <a:rPr lang="en-US" dirty="0" err="1" smtClean="0"/>
+              <a:rPr lang="en-US" dirty="0" err="1"/>
               <a:t>onreadystatechange</a:t>
             </a:r>
             <a:r>
-              <a:rPr lang="en-US" dirty="0" smtClean="0"/>
+              <a:rPr lang="en-US" dirty="0"/>
               <a:t> function is called every time the </a:t>
             </a:r>
             <a:r>
-              <a:rPr lang="en-US" dirty="0" err="1" smtClean="0"/>
+              <a:rPr lang="en-US" dirty="0" err="1"/>
               <a:t>readyState</a:t>
             </a:r>
             <a:r>
-              <a:rPr lang="en-US" dirty="0" smtClean="0"/>
+              <a:rPr lang="en-US" dirty="0"/>
               <a:t> changes.</a:t>
             </a:r>
           </a:p>
           <a:p>
             <a:pPr algn="just"/>
             <a:r>
-              <a:rPr lang="en-US" dirty="0" smtClean="0"/>
+              <a:rPr lang="en-US" dirty="0"/>
               <a:t>When </a:t>
             </a:r>
             <a:r>
-              <a:rPr lang="en-US" dirty="0" err="1" smtClean="0"/>
+              <a:rPr lang="en-US" dirty="0" err="1"/>
               <a:t>readyState</a:t>
             </a:r>
             <a:r>
-              <a:rPr lang="en-US" dirty="0" smtClean="0"/>
+              <a:rPr lang="en-US" dirty="0"/>
               <a:t> is 4 and status is 200, the response is ready.</a:t>
             </a:r>
           </a:p>
           <a:p>
             <a:pPr algn="just"/>
             <a:r>
-              <a:rPr lang="en-US" dirty="0" smtClean="0"/>
+              <a:rPr lang="en-US" dirty="0"/>
               <a:t>The </a:t>
             </a:r>
             <a:r>
-              <a:rPr lang="en-US" dirty="0" err="1" smtClean="0"/>
+              <a:rPr lang="en-US" dirty="0" err="1"/>
               <a:t>onreadystatechange</a:t>
             </a:r>
             <a:r>
-              <a:rPr lang="en-US" dirty="0" smtClean="0"/>
+              <a:rPr lang="en-US" dirty="0"/>
               <a:t> event is triggered four times (1-4), one time for each change in the </a:t>
             </a:r>
             <a:r>
-              <a:rPr lang="en-US" dirty="0" err="1" smtClean="0"/>
+              <a:rPr lang="en-US" dirty="0" err="1"/>
               <a:t>readyState</a:t>
             </a:r>
             <a:r>
-              <a:rPr lang="en-US" dirty="0" smtClean="0"/>
+              <a:rPr lang="en-US" dirty="0"/>
               <a:t>.</a:t>
             </a:r>
           </a:p>
           <a:p>
             <a:pPr algn="just"/>
-            <a:endParaRPr lang="en-US" dirty="0" smtClean="0"/>
+            <a:endParaRPr lang="en-US" dirty="0"/>
           </a:p>
           <a:p>
             <a:pPr algn="just"/>
@@ -6134,10 +6046,9 @@
           <a:lstStyle/>
           <a:p>
             <a:r>
-              <a:rPr lang="en-US" dirty="0" smtClean="0"/>
+              <a:rPr lang="en-US" dirty="0"/>
               <a:t>Example</a:t>
             </a:r>
-            <a:endParaRPr lang="en-US" dirty="0"/>
           </a:p>
         </p:txBody>
       </p:sp>
@@ -6159,176 +6070,175 @@
           <a:lstStyle/>
           <a:p>
             <a:r>
-              <a:rPr lang="en-US" sz="2400" dirty="0" smtClean="0"/>
+              <a:rPr lang="en-US" sz="2400" dirty="0"/>
               <a:t>function </a:t>
             </a:r>
             <a:r>
-              <a:rPr lang="en-US" sz="2400" dirty="0" err="1" smtClean="0"/>
+              <a:rPr lang="en-US" sz="2400" dirty="0" err="1"/>
               <a:t>loadDoc</a:t>
             </a:r>
             <a:r>
-              <a:rPr lang="en-US" sz="2400" dirty="0" smtClean="0"/>
+              <a:rPr lang="en-US" sz="2400" dirty="0"/>
               <a:t>() {</a:t>
             </a:r>
             <a:br>
-              <a:rPr lang="en-US" sz="2400" dirty="0" smtClean="0"/>
+              <a:rPr lang="en-US" sz="2400" dirty="0"/>
             </a:br>
             <a:r>
-              <a:rPr lang="en-US" sz="2400" dirty="0" smtClean="0"/>
+              <a:rPr lang="en-US" sz="2400" dirty="0"/>
               <a:t>  </a:t>
             </a:r>
             <a:r>
-              <a:rPr lang="en-US" sz="2400" dirty="0" err="1" smtClean="0"/>
+              <a:rPr lang="en-US" sz="2400" dirty="0" err="1"/>
               <a:t>var</a:t>
             </a:r>
             <a:r>
-              <a:rPr lang="en-US" sz="2400" dirty="0" smtClean="0"/>
+              <a:rPr lang="en-US" sz="2400" dirty="0"/>
               <a:t> </a:t>
             </a:r>
             <a:r>
-              <a:rPr lang="en-US" sz="2400" dirty="0" err="1" smtClean="0"/>
+              <a:rPr lang="en-US" sz="2400" dirty="0" err="1"/>
               <a:t>xhttp</a:t>
             </a:r>
             <a:r>
-              <a:rPr lang="en-US" sz="2400" dirty="0" smtClean="0"/>
+              <a:rPr lang="en-US" sz="2400" dirty="0"/>
               <a:t> = new </a:t>
             </a:r>
             <a:r>
-              <a:rPr lang="en-US" sz="2400" dirty="0" err="1" smtClean="0"/>
+              <a:rPr lang="en-US" sz="2400" dirty="0" err="1"/>
               <a:t>XMLHttpRequest</a:t>
             </a:r>
             <a:r>
-              <a:rPr lang="en-US" sz="2400" dirty="0" smtClean="0"/>
+              <a:rPr lang="en-US" sz="2400" dirty="0"/>
               <a:t>();</a:t>
             </a:r>
             <a:br>
-              <a:rPr lang="en-US" sz="2400" dirty="0" smtClean="0"/>
+              <a:rPr lang="en-US" sz="2400" dirty="0"/>
             </a:br>
             <a:r>
-              <a:rPr lang="en-US" sz="2400" dirty="0" smtClean="0"/>
+              <a:rPr lang="en-US" sz="2400" dirty="0"/>
               <a:t>  </a:t>
             </a:r>
             <a:r>
-              <a:rPr lang="en-US" sz="2400" dirty="0" err="1" smtClean="0"/>
+              <a:rPr lang="en-US" sz="2400" dirty="0" err="1"/>
               <a:t>xhttp.open</a:t>
             </a:r>
             <a:r>
-              <a:rPr lang="en-US" sz="2400" dirty="0" smtClean="0"/>
+              <a:rPr lang="en-US" sz="2400" dirty="0"/>
               <a:t>("GET", "ajax_info.txt", true);</a:t>
             </a:r>
             <a:br>
-              <a:rPr lang="en-US" sz="2400" dirty="0" smtClean="0"/>
+              <a:rPr lang="en-US" sz="2400" dirty="0"/>
             </a:br>
             <a:r>
-              <a:rPr lang="en-US" sz="2400" dirty="0" smtClean="0"/>
+              <a:rPr lang="en-US" sz="2400" dirty="0"/>
               <a:t>  </a:t>
             </a:r>
             <a:r>
-              <a:rPr lang="en-US" sz="2400" dirty="0" err="1" smtClean="0"/>
+              <a:rPr lang="en-US" sz="2400" dirty="0" err="1"/>
               <a:t>xhttp.send</a:t>
             </a:r>
             <a:r>
-              <a:rPr lang="en-US" sz="2400" dirty="0" smtClean="0"/>
+              <a:rPr lang="en-US" sz="2400" dirty="0"/>
               <a:t>();</a:t>
             </a:r>
             <a:br>
-              <a:rPr lang="en-US" sz="2400" dirty="0" smtClean="0"/>
+              <a:rPr lang="en-US" sz="2400" dirty="0"/>
             </a:br>
             <a:r>
-              <a:rPr lang="en-US" sz="2400" dirty="0" smtClean="0"/>
+              <a:rPr lang="en-US" sz="2400" dirty="0"/>
               <a:t>  </a:t>
             </a:r>
             <a:r>
-              <a:rPr lang="en-US" sz="2400" dirty="0" err="1" smtClean="0"/>
+              <a:rPr lang="en-US" sz="2400" dirty="0" err="1"/>
               <a:t>xhttp.onreadystatechange</a:t>
             </a:r>
             <a:r>
-              <a:rPr lang="en-US" sz="2400" dirty="0" smtClean="0"/>
+              <a:rPr lang="en-US" sz="2400" dirty="0"/>
               <a:t> = function() {</a:t>
             </a:r>
             <a:br>
-              <a:rPr lang="en-US" sz="2400" dirty="0" smtClean="0"/>
+              <a:rPr lang="en-US" sz="2400" dirty="0"/>
             </a:br>
             <a:r>
-              <a:rPr lang="en-US" sz="2400" dirty="0" smtClean="0"/>
+              <a:rPr lang="en-US" sz="2400" dirty="0"/>
               <a:t>    if (</a:t>
             </a:r>
             <a:r>
-              <a:rPr lang="en-US" sz="2400" dirty="0" err="1" smtClean="0"/>
+              <a:rPr lang="en-US" sz="2400" dirty="0" err="1"/>
               <a:t>this.readyState</a:t>
             </a:r>
             <a:r>
-              <a:rPr lang="en-US" sz="2400" dirty="0" smtClean="0"/>
+              <a:rPr lang="en-US" sz="2400" dirty="0"/>
               <a:t> == 4 &amp;&amp; </a:t>
             </a:r>
             <a:r>
-              <a:rPr lang="en-US" sz="2400" dirty="0" err="1" smtClean="0"/>
+              <a:rPr lang="en-US" sz="2400" dirty="0" err="1"/>
               <a:t>this.status</a:t>
             </a:r>
             <a:r>
-              <a:rPr lang="en-US" sz="2400" dirty="0" smtClean="0"/>
+              <a:rPr lang="en-US" sz="2400" dirty="0"/>
               <a:t> == 200) {</a:t>
             </a:r>
             <a:br>
-              <a:rPr lang="en-US" sz="2400" dirty="0" smtClean="0"/>
+              <a:rPr lang="en-US" sz="2400" dirty="0"/>
             </a:br>
             <a:r>
-              <a:rPr lang="en-US" sz="2400" dirty="0" smtClean="0"/>
+              <a:rPr lang="en-US" sz="2400" dirty="0"/>
               <a:t>      </a:t>
             </a:r>
             <a:r>
-              <a:rPr lang="en-US" sz="2400" dirty="0" err="1" smtClean="0"/>
+              <a:rPr lang="en-US" sz="2400" dirty="0" err="1"/>
               <a:t>document.getElementById</a:t>
             </a:r>
             <a:r>
-              <a:rPr lang="en-US" sz="2400" dirty="0" smtClean="0"/>
+              <a:rPr lang="en-US" sz="2400" dirty="0"/>
               <a:t>("demo").</a:t>
             </a:r>
             <a:r>
-              <a:rPr lang="en-US" sz="2400" dirty="0" err="1" smtClean="0"/>
+              <a:rPr lang="en-US" sz="2400" dirty="0" err="1"/>
               <a:t>innerHTML</a:t>
             </a:r>
             <a:r>
-              <a:rPr lang="en-US" sz="2400" dirty="0" smtClean="0"/>
+              <a:rPr lang="en-US" sz="2400" dirty="0"/>
               <a:t> =</a:t>
             </a:r>
             <a:br>
-              <a:rPr lang="en-US" sz="2400" dirty="0" smtClean="0"/>
+              <a:rPr lang="en-US" sz="2400" dirty="0"/>
             </a:br>
             <a:r>
-              <a:rPr lang="en-US" sz="2400" dirty="0" smtClean="0"/>
+              <a:rPr lang="en-US" sz="2400" dirty="0"/>
               <a:t>      </a:t>
             </a:r>
             <a:r>
-              <a:rPr lang="en-US" sz="2400" dirty="0" err="1" smtClean="0"/>
+              <a:rPr lang="en-US" sz="2400" dirty="0" err="1"/>
               <a:t>this.responseText</a:t>
             </a:r>
             <a:r>
-              <a:rPr lang="en-US" sz="2400" dirty="0" smtClean="0"/>
+              <a:rPr lang="en-US" sz="2400" dirty="0"/>
               <a:t>;</a:t>
             </a:r>
             <a:br>
-              <a:rPr lang="en-US" sz="2400" dirty="0" smtClean="0"/>
+              <a:rPr lang="en-US" sz="2400" dirty="0"/>
             </a:br>
             <a:r>
-              <a:rPr lang="en-US" sz="2400" dirty="0" smtClean="0"/>
+              <a:rPr lang="en-US" sz="2400" dirty="0"/>
               <a:t>    }</a:t>
             </a:r>
             <a:br>
-              <a:rPr lang="en-US" sz="2400" dirty="0" smtClean="0"/>
+              <a:rPr lang="en-US" sz="2400" dirty="0"/>
             </a:br>
             <a:r>
-              <a:rPr lang="en-US" sz="2400" dirty="0" smtClean="0"/>
+              <a:rPr lang="en-US" sz="2400" dirty="0"/>
               <a:t>  };</a:t>
             </a:r>
             <a:br>
-              <a:rPr lang="en-US" sz="2400" dirty="0" smtClean="0"/>
+              <a:rPr lang="en-US" sz="2400" dirty="0"/>
             </a:br>
             <a:r>
-              <a:rPr lang="en-US" sz="2400" dirty="0" smtClean="0"/>
+              <a:rPr lang="en-US" sz="2400" dirty="0"/>
               <a:t>  }</a:t>
             </a:r>
-            <a:endParaRPr lang="en-US" sz="2400" dirty="0"/>
           </a:p>
         </p:txBody>
       </p:sp>
@@ -6378,25 +6288,24 @@
           <a:lstStyle/>
           <a:p>
             <a:r>
-              <a:rPr lang="en-US" dirty="0" smtClean="0"/>
+              <a:rPr lang="en-US" dirty="0"/>
               <a:t>Why JSP is preferred over </a:t>
             </a:r>
             <a:r>
-              <a:rPr lang="en-US" dirty="0" err="1" smtClean="0"/>
+              <a:rPr lang="en-US" dirty="0" err="1"/>
               <a:t>servlet</a:t>
             </a:r>
             <a:r>
-              <a:rPr lang="en-US" dirty="0" smtClean="0"/>
+              <a:rPr lang="en-US" dirty="0"/>
               <a:t>?</a:t>
             </a:r>
             <a:br>
-              <a:rPr lang="en-US" dirty="0" smtClean="0"/>
+              <a:rPr lang="en-US" dirty="0"/>
             </a:br>
             <a:r>
-              <a:rPr lang="en-US" dirty="0" smtClean="0"/>
+              <a:rPr lang="en-US" dirty="0"/>
               <a:t>(Advantages)</a:t>
             </a:r>
-            <a:endParaRPr lang="en-US" dirty="0"/>
           </a:p>
         </p:txBody>
       </p:sp>
@@ -6424,50 +6333,50 @@
           <a:p>
             <a:pPr algn="just"/>
             <a:r>
-              <a:rPr lang="en-US" sz="2800" dirty="0" smtClean="0"/>
+              <a:rPr lang="en-US" sz="2800" dirty="0"/>
               <a:t>JSP provides an easier way to code dynamic web pages.</a:t>
             </a:r>
           </a:p>
           <a:p>
             <a:pPr algn="just"/>
             <a:r>
-              <a:rPr lang="en-US" sz="2800" dirty="0" smtClean="0"/>
+              <a:rPr lang="en-US" sz="2800" dirty="0"/>
               <a:t>JSP does not require additional file (web.xml).</a:t>
             </a:r>
           </a:p>
           <a:p>
             <a:pPr algn="just"/>
             <a:r>
-              <a:rPr lang="en-US" sz="2800" dirty="0" smtClean="0"/>
+              <a:rPr lang="en-US" sz="2800" dirty="0"/>
               <a:t>JSP pages can be directly accessed, and web.xml mapping is not required like in </a:t>
             </a:r>
             <a:r>
-              <a:rPr lang="en-US" sz="2800" dirty="0" err="1" smtClean="0"/>
+              <a:rPr lang="en-US" sz="2800" dirty="0" err="1"/>
               <a:t>servlets</a:t>
             </a:r>
             <a:r>
-              <a:rPr lang="en-US" sz="2800" dirty="0" smtClean="0"/>
+              <a:rPr lang="en-US" sz="2800" dirty="0"/>
               <a:t>.</a:t>
             </a:r>
           </a:p>
           <a:p>
             <a:pPr algn="just"/>
             <a:r>
-              <a:rPr lang="en-US" sz="2800" dirty="0" smtClean="0"/>
+              <a:rPr lang="en-US" sz="2800" dirty="0"/>
               <a:t>Easy to maintain and code.</a:t>
             </a:r>
           </a:p>
           <a:p>
             <a:pPr algn="just"/>
             <a:r>
-              <a:rPr lang="en-US" sz="2800" dirty="0" smtClean="0"/>
+              <a:rPr lang="en-US" sz="2800" dirty="0"/>
               <a:t>High Performance and Scalability.</a:t>
             </a:r>
           </a:p>
           <a:p>
             <a:pPr algn="just"/>
             <a:r>
-              <a:rPr lang="en-US" sz="2800" dirty="0" smtClean="0"/>
+              <a:rPr lang="en-US" sz="2800" dirty="0"/>
               <a:t>JSP is built on Java technology, so it is platform independent.</a:t>
             </a:r>
           </a:p>
@@ -6475,12 +6384,8 @@
             <a:pPr algn="just">
               <a:buNone/>
             </a:pPr>
-            <a:r>
-              <a:rPr lang="en-US" sz="2800" dirty="0" smtClean="0"/>
-              <a:t/>
-            </a:r>
             <a:br>
-              <a:rPr lang="en-US" sz="2800" dirty="0" smtClean="0"/>
+              <a:rPr lang="en-US" sz="2800" dirty="0"/>
             </a:br>
             <a:endParaRPr lang="en-US" sz="2800" dirty="0"/>
           </a:p>
@@ -6494,13 +6399,6 @@
   <p:transition>
     <p:newsflash/>
   </p:transition>
-  <p:timing>
-    <p:tnLst>
-      <p:par>
-        <p:cTn id="1" dur="indefinite" restart="never" nodeType="tmRoot"/>
-      </p:par>
-    </p:tnLst>
-  </p:timing>
 </p:sld>
 </file>
 
@@ -6552,13 +6450,6 @@
   <p:transition>
     <p:newsflash/>
   </p:transition>
-  <p:timing>
-    <p:tnLst>
-      <p:par>
-        <p:cTn id="1" dur="indefinite" restart="never" nodeType="tmRoot"/>
-      </p:par>
-    </p:tnLst>
-  </p:timing>
 </p:sld>
 </file>
 
@@ -6597,10 +6488,9 @@
           <a:lstStyle/>
           <a:p>
             <a:r>
-              <a:rPr lang="en-US" dirty="0" smtClean="0"/>
+              <a:rPr lang="en-US" dirty="0"/>
               <a:t>Lifecycle of JSP</a:t>
             </a:r>
-            <a:endParaRPr lang="en-US" dirty="0"/>
           </a:p>
         </p:txBody>
       </p:sp>
@@ -6628,42 +6518,42 @@
           <a:p>
             <a:pPr algn="just"/>
             <a:r>
-              <a:rPr lang="en-US" dirty="0" smtClean="0"/>
+              <a:rPr lang="en-US" dirty="0"/>
               <a:t>The translation of a JSP page to a </a:t>
             </a:r>
             <a:r>
-              <a:rPr lang="en-US" dirty="0" err="1" smtClean="0"/>
+              <a:rPr lang="en-US" dirty="0" err="1"/>
               <a:t>Servlet</a:t>
             </a:r>
             <a:r>
-              <a:rPr lang="en-US" dirty="0" smtClean="0"/>
+              <a:rPr lang="en-US" dirty="0"/>
               <a:t> is called Lifecycle of JSP. JSP Lifecycle is exactly same as the </a:t>
             </a:r>
             <a:r>
-              <a:rPr lang="en-US" dirty="0" err="1" smtClean="0"/>
+              <a:rPr lang="en-US" dirty="0" err="1"/>
               <a:t>Servlet</a:t>
             </a:r>
             <a:r>
-              <a:rPr lang="en-US" dirty="0" smtClean="0"/>
+              <a:rPr lang="en-US" dirty="0"/>
               <a:t> Lifecycle, with one additional first step, which is, translation of JSP code to </a:t>
             </a:r>
             <a:r>
-              <a:rPr lang="en-US" dirty="0" err="1" smtClean="0"/>
+              <a:rPr lang="en-US" dirty="0" err="1"/>
               <a:t>Servlet</a:t>
             </a:r>
             <a:r>
-              <a:rPr lang="en-US" dirty="0" smtClean="0"/>
+              <a:rPr lang="en-US" dirty="0"/>
               <a:t> code. </a:t>
             </a:r>
           </a:p>
           <a:p>
             <a:pPr algn="just"/>
-            <a:endParaRPr lang="en-US" dirty="0" smtClean="0"/>
+            <a:endParaRPr lang="en-US" dirty="0"/>
           </a:p>
           <a:p>
             <a:pPr algn="just"/>
             <a:r>
-              <a:rPr lang="en-US" dirty="0" smtClean="0"/>
+              <a:rPr lang="en-US" dirty="0"/>
               <a:t>Following are the JSP Lifecycle steps:</a:t>
             </a:r>
           </a:p>
@@ -6673,15 +6563,15 @@
               <a:buAutoNum type="arabicPeriod"/>
             </a:pPr>
             <a:r>
-              <a:rPr lang="en-US" dirty="0" smtClean="0"/>
+              <a:rPr lang="en-US" dirty="0"/>
               <a:t>Translation of JSP to </a:t>
             </a:r>
             <a:r>
-              <a:rPr lang="en-US" dirty="0" err="1" smtClean="0"/>
+              <a:rPr lang="en-US" dirty="0" err="1"/>
               <a:t>Servlet</a:t>
             </a:r>
             <a:r>
-              <a:rPr lang="en-US" dirty="0" smtClean="0"/>
+              <a:rPr lang="en-US" dirty="0"/>
               <a:t> code.</a:t>
             </a:r>
           </a:p>
@@ -6691,23 +6581,23 @@
               <a:buAutoNum type="arabicPeriod"/>
             </a:pPr>
             <a:r>
-              <a:rPr lang="en-US" dirty="0" smtClean="0"/>
+              <a:rPr lang="en-US" dirty="0"/>
               <a:t>Compilation of </a:t>
             </a:r>
             <a:r>
-              <a:rPr lang="en-US" dirty="0" err="1" smtClean="0"/>
+              <a:rPr lang="en-US" dirty="0" err="1"/>
               <a:t>Servlet</a:t>
             </a:r>
             <a:r>
-              <a:rPr lang="en-US" dirty="0" smtClean="0"/>
+              <a:rPr lang="en-US" dirty="0"/>
               <a:t> to </a:t>
             </a:r>
             <a:r>
-              <a:rPr lang="en-US" dirty="0" err="1" smtClean="0"/>
+              <a:rPr lang="en-US" dirty="0" err="1"/>
               <a:t>bytecode</a:t>
             </a:r>
             <a:r>
-              <a:rPr lang="en-US" dirty="0" smtClean="0"/>
+              <a:rPr lang="en-US" dirty="0"/>
               <a:t>.</a:t>
             </a:r>
           </a:p>
@@ -6717,15 +6607,15 @@
               <a:buAutoNum type="arabicPeriod"/>
             </a:pPr>
             <a:r>
-              <a:rPr lang="en-US" dirty="0" smtClean="0"/>
+              <a:rPr lang="en-US" dirty="0"/>
               <a:t>Loading </a:t>
             </a:r>
             <a:r>
-              <a:rPr lang="en-US" dirty="0" err="1" smtClean="0"/>
+              <a:rPr lang="en-US" dirty="0" err="1"/>
               <a:t>Servlet</a:t>
             </a:r>
             <a:r>
-              <a:rPr lang="en-US" dirty="0" smtClean="0"/>
+              <a:rPr lang="en-US" dirty="0"/>
               <a:t> class.</a:t>
             </a:r>
           </a:p>
@@ -6735,15 +6625,15 @@
               <a:buAutoNum type="arabicPeriod"/>
             </a:pPr>
             <a:r>
-              <a:rPr lang="en-US" dirty="0" smtClean="0"/>
+              <a:rPr lang="en-US" dirty="0"/>
               <a:t>Creating </a:t>
             </a:r>
             <a:r>
-              <a:rPr lang="en-US" dirty="0" err="1" smtClean="0"/>
+              <a:rPr lang="en-US" dirty="0" err="1"/>
               <a:t>servlet</a:t>
             </a:r>
             <a:r>
-              <a:rPr lang="en-US" dirty="0" smtClean="0"/>
+              <a:rPr lang="en-US" dirty="0"/>
               <a:t> instance.</a:t>
             </a:r>
           </a:p>
@@ -6753,15 +6643,15 @@
               <a:buAutoNum type="arabicPeriod"/>
             </a:pPr>
             <a:r>
-              <a:rPr lang="en-US" dirty="0" smtClean="0"/>
+              <a:rPr lang="en-US" dirty="0"/>
               <a:t>Initialization by calling </a:t>
             </a:r>
             <a:r>
-              <a:rPr lang="en-US" dirty="0" err="1" smtClean="0"/>
+              <a:rPr lang="en-US" dirty="0" err="1"/>
               <a:t>jspInit</a:t>
             </a:r>
             <a:r>
-              <a:rPr lang="en-US" dirty="0" smtClean="0"/>
+              <a:rPr lang="en-US" dirty="0"/>
               <a:t>() method</a:t>
             </a:r>
           </a:p>
@@ -6771,15 +6661,15 @@
               <a:buAutoNum type="arabicPeriod"/>
             </a:pPr>
             <a:r>
-              <a:rPr lang="en-US" dirty="0" smtClean="0"/>
+              <a:rPr lang="en-US" dirty="0"/>
               <a:t>Request Processing by calling _</a:t>
             </a:r>
             <a:r>
-              <a:rPr lang="en-US" dirty="0" err="1" smtClean="0"/>
+              <a:rPr lang="en-US" dirty="0" err="1"/>
               <a:t>jspService</a:t>
             </a:r>
             <a:r>
-              <a:rPr lang="en-US" dirty="0" smtClean="0"/>
+              <a:rPr lang="en-US" dirty="0"/>
               <a:t>() method</a:t>
             </a:r>
           </a:p>
@@ -6789,15 +6679,15 @@
               <a:buAutoNum type="arabicPeriod"/>
             </a:pPr>
             <a:r>
-              <a:rPr lang="en-US" dirty="0" smtClean="0"/>
+              <a:rPr lang="en-US" dirty="0"/>
               <a:t>Destroying by calling </a:t>
             </a:r>
             <a:r>
-              <a:rPr lang="en-US" dirty="0" err="1" smtClean="0"/>
+              <a:rPr lang="en-US" dirty="0" err="1"/>
               <a:t>jspDestroy</a:t>
             </a:r>
             <a:r>
-              <a:rPr lang="en-US" dirty="0" smtClean="0"/>
+              <a:rPr lang="en-US" dirty="0"/>
               <a:t>() method</a:t>
             </a:r>
           </a:p>
@@ -6815,13 +6705,6 @@
   <p:transition>
     <p:newsflash/>
   </p:transition>
-  <p:timing>
-    <p:tnLst>
-      <p:par>
-        <p:cTn id="1" dur="indefinite" restart="never" nodeType="tmRoot"/>
-      </p:par>
-    </p:tnLst>
-  </p:timing>
 </p:sld>
 </file>
 
@@ -6856,7 +6739,7 @@
           <a:blip r:embed="rId2">
             <a:extLst>
               <a:ext uri="{28A0092B-C50C-407E-A947-70E740481C1C}">
-                <a14:useLocalDpi xmlns:lc="http://schemas.openxmlformats.org/drawingml/2006/lockedCanvas" xmlns:pic="http://schemas.openxmlformats.org/drawingml/2006/picture" xmlns:a14="http://schemas.microsoft.com/office/drawing/2010/main" xmlns:wps="http://schemas.microsoft.com/office/word/2010/wordprocessingShape" xmlns:wne="http://schemas.microsoft.com/office/word/2006/wordml" xmlns:wpi="http://schemas.microsoft.com/office/word/2010/wordprocessingInk" xmlns:wpg="http://schemas.microsoft.com/office/word/2010/wordprocessingGroup" xmlns:w15="http://schemas.microsoft.com/office/word/2012/wordml" xmlns:w14="http://schemas.microsoft.com/office/word/2010/wordml" xmlns:w="http://schemas.openxmlformats.org/wordprocessingml/2006/main" xmlns:w10="urn:schemas-microsoft-com:office:word" xmlns:wp="http://schemas.openxmlformats.org/drawingml/2006/wordprocessingDrawing" xmlns:wp14="http://schemas.microsoft.com/office/word/2010/wordprocessingDrawing" xmlns:v="urn:schemas-microsoft-com:vml" xmlns:m="http://schemas.openxmlformats.org/officeDocument/2006/math" xmlns:o="urn:schemas-microsoft-com:office:office" xmlns:mc="http://schemas.openxmlformats.org/markup-compatibility/2006" xmlns:wpc="http://schemas.microsoft.com/office/word/2010/wordprocessingCanvas" xmlns="" val="0"/>
+                <a14:useLocalDpi xmlns:a14="http://schemas.microsoft.com/office/drawing/2010/main" val="0"/>
               </a:ext>
             </a:extLst>
           </a:blip>
@@ -6882,13 +6765,6 @@
   <p:transition>
     <p:newsflash/>
   </p:transition>
-  <p:timing>
-    <p:tnLst>
-      <p:par>
-        <p:cTn id="1" dur="indefinite" restart="never" nodeType="tmRoot"/>
-      </p:par>
-    </p:tnLst>
-  </p:timing>
 </p:sld>
 </file>
 
@@ -6927,10 +6803,9 @@
           <a:lstStyle/>
           <a:p>
             <a:r>
-              <a:rPr lang="en-US" dirty="0" smtClean="0"/>
+              <a:rPr lang="en-US" dirty="0"/>
               <a:t>JSP Scripting Element</a:t>
             </a:r>
-            <a:endParaRPr lang="en-US" dirty="0"/>
           </a:p>
         </p:txBody>
       </p:sp>
@@ -6958,37 +6833,37 @@
           <a:p>
             <a:pPr algn="just"/>
             <a:r>
-              <a:rPr lang="en-US" sz="2400" dirty="0" smtClean="0"/>
+              <a:rPr lang="en-US" sz="2400" dirty="0"/>
               <a:t>JSP Scripting element are written inside &lt;% %&gt; tags. </a:t>
             </a:r>
             <a:r>
-              <a:rPr lang="en-US" sz="2400" smtClean="0"/>
+              <a:rPr lang="en-US" sz="2400"/>
               <a:t>The code </a:t>
             </a:r>
             <a:r>
-              <a:rPr lang="en-US" sz="2400" dirty="0" smtClean="0"/>
+              <a:rPr lang="en-US" sz="2400" dirty="0"/>
               <a:t>inside &lt;% %&gt; tags are processed by the JSP engine during translation of the JSP page. Any other text in the JSP page is considered as HTML code or plain text.</a:t>
             </a:r>
           </a:p>
           <a:p>
             <a:pPr algn="just"/>
-            <a:endParaRPr lang="en-US" sz="2400" dirty="0" smtClean="0"/>
-          </a:p>
-          <a:p>
-            <a:r>
-              <a:rPr lang="en-US" sz="2400" dirty="0" smtClean="0"/>
+            <a:endParaRPr lang="en-US" sz="2400" dirty="0"/>
+          </a:p>
+          <a:p>
+            <a:r>
+              <a:rPr lang="en-US" sz="2400" dirty="0"/>
               <a:t>There are five different types of scripting elements</a:t>
             </a:r>
           </a:p>
           <a:p>
-            <a:endParaRPr lang="en-US" sz="2400" dirty="0" smtClean="0"/>
+            <a:endParaRPr lang="en-US" sz="2400" dirty="0"/>
           </a:p>
           <a:p>
             <a:pPr>
               <a:buNone/>
             </a:pPr>
             <a:r>
-              <a:rPr lang="en-US" sz="2400" dirty="0" smtClean="0"/>
+              <a:rPr lang="en-US" sz="2400" dirty="0"/>
               <a:t>		Scripting Element			Example</a:t>
             </a:r>
           </a:p>
@@ -6997,7 +6872,7 @@
               <a:buNone/>
             </a:pPr>
             <a:r>
-              <a:rPr lang="en-US" sz="2400" dirty="0" smtClean="0"/>
+              <a:rPr lang="en-US" sz="2400" dirty="0"/>
               <a:t>	------------------------------------------------------------------------------------</a:t>
             </a:r>
           </a:p>
@@ -7007,7 +6882,7 @@
               <a:buAutoNum type="arabicPeriod"/>
             </a:pPr>
             <a:r>
-              <a:rPr lang="en-US" dirty="0" smtClean="0"/>
+              <a:rPr lang="en-US" dirty="0"/>
               <a:t>Comment			&lt;%-- comment --%&gt;</a:t>
             </a:r>
           </a:p>
@@ -7017,7 +6892,7 @@
               <a:buAutoNum type="arabicPeriod"/>
             </a:pPr>
             <a:r>
-              <a:rPr lang="en-US" dirty="0" smtClean="0"/>
+              <a:rPr lang="en-US" dirty="0"/>
               <a:t>Directive			&lt;%@ directive %&gt;</a:t>
             </a:r>
           </a:p>
@@ -7027,7 +6902,7 @@
               <a:buAutoNum type="arabicPeriod"/>
             </a:pPr>
             <a:r>
-              <a:rPr lang="en-US" dirty="0" smtClean="0"/>
+              <a:rPr lang="en-US" dirty="0"/>
               <a:t>Declaration			&lt;%! declarations %&gt;</a:t>
             </a:r>
           </a:p>
@@ -7037,19 +6912,19 @@
               <a:buAutoNum type="arabicPeriod"/>
             </a:pPr>
             <a:r>
-              <a:rPr lang="en-US" dirty="0" err="1" smtClean="0"/>
+              <a:rPr lang="en-US" dirty="0" err="1"/>
               <a:t>Scriptlet</a:t>
             </a:r>
             <a:r>
-              <a:rPr lang="en-US" dirty="0" smtClean="0"/>
+              <a:rPr lang="en-US" dirty="0"/>
               <a:t>			&lt;% </a:t>
             </a:r>
             <a:r>
-              <a:rPr lang="en-US" dirty="0" err="1" smtClean="0"/>
+              <a:rPr lang="en-US" dirty="0" err="1"/>
               <a:t>scriplets</a:t>
             </a:r>
             <a:r>
-              <a:rPr lang="en-US" dirty="0" smtClean="0"/>
+              <a:rPr lang="en-US" dirty="0"/>
               <a:t> %&gt;</a:t>
             </a:r>
           </a:p>
@@ -7059,10 +6934,9 @@
               <a:buAutoNum type="arabicPeriod"/>
             </a:pPr>
             <a:r>
-              <a:rPr lang="en-US" dirty="0" smtClean="0"/>
+              <a:rPr lang="en-US" dirty="0"/>
               <a:t>Expression			&lt;%= expression %&gt;</a:t>
             </a:r>
-            <a:endParaRPr lang="en-US" dirty="0"/>
           </a:p>
         </p:txBody>
       </p:sp>
@@ -7074,13 +6948,6 @@
   <p:transition>
     <p:newsflash/>
   </p:transition>
-  <p:timing>
-    <p:tnLst>
-      <p:par>
-        <p:cTn id="1" dur="indefinite" restart="never" nodeType="tmRoot"/>
-      </p:par>
-    </p:tnLst>
-  </p:timing>
 </p:sld>
 </file>
 
@@ -7119,45 +6986,42 @@
           <a:lstStyle/>
           <a:p>
             <a:r>
-              <a:rPr lang="en-US" dirty="0" smtClean="0"/>
+              <a:rPr lang="en-US" dirty="0"/>
               <a:t>Implicit Objects in JSP</a:t>
             </a:r>
             <a:br>
-              <a:rPr lang="en-US" dirty="0" smtClean="0"/>
+              <a:rPr lang="en-US" dirty="0"/>
             </a:br>
             <a:r>
-              <a:rPr lang="en-US" sz="2000" dirty="0" smtClean="0">
+              <a:rPr lang="en-US" sz="2000" dirty="0">
                 <a:latin typeface="+mn-lt"/>
               </a:rPr>
               <a:t>(There are </a:t>
             </a:r>
             <a:r>
-              <a:rPr lang="en-US" sz="2000" b="1" dirty="0" smtClean="0">
+              <a:rPr lang="en-US" sz="2000" b="1" dirty="0">
                 <a:latin typeface="+mn-lt"/>
               </a:rPr>
               <a:t>9 JSP implicit objects</a:t>
             </a:r>
             <a:r>
-              <a:rPr lang="en-US" sz="2000" dirty="0" smtClean="0">
+              <a:rPr lang="en-US" sz="2000" dirty="0">
                 <a:latin typeface="+mn-lt"/>
               </a:rPr>
               <a:t>. These objects are created by the web container that are available to all </a:t>
             </a:r>
             <a:r>
-              <a:rPr lang="en-US" sz="2000" smtClean="0">
+              <a:rPr lang="en-US" sz="2000">
                 <a:latin typeface="+mn-lt"/>
               </a:rPr>
               <a:t>the JSP </a:t>
             </a:r>
             <a:r>
-              <a:rPr lang="en-US" sz="2000" dirty="0" smtClean="0">
+              <a:rPr lang="en-US" sz="2000" dirty="0">
                 <a:latin typeface="+mn-lt"/>
               </a:rPr>
               <a:t>pages.)</a:t>
             </a:r>
-            <a:endParaRPr lang="en-US" sz="2000" dirty="0">
-              <a:latin typeface="+mn-lt"/>
-            </a:endParaRPr>
           </a:p>
         </p:txBody>
       </p:sp>
@@ -7192,13 +7056,6 @@
   <p:transition>
     <p:newsflash/>
   </p:transition>
-  <p:timing>
-    <p:tnLst>
-      <p:par>
-        <p:cTn id="1" dur="indefinite" restart="never" nodeType="tmRoot"/>
-      </p:par>
-    </p:tnLst>
-  </p:timing>
 </p:sld>
 </file>
 
@@ -7235,10 +7092,9 @@
           <a:lstStyle/>
           <a:p>
             <a:r>
-              <a:rPr lang="en-US" dirty="0" smtClean="0"/>
+              <a:rPr lang="en-US" dirty="0"/>
               <a:t>JSP Directive Tag</a:t>
             </a:r>
-            <a:endParaRPr lang="en-US" dirty="0"/>
           </a:p>
         </p:txBody>
       </p:sp>
@@ -7261,57 +7117,57 @@
           <a:p>
             <a:pPr algn="just"/>
             <a:r>
-              <a:rPr lang="en-US" sz="2800" b="1" dirty="0" smtClean="0"/>
+              <a:rPr lang="en-US" sz="2800" b="1" dirty="0"/>
               <a:t>Directive Tag</a:t>
             </a:r>
             <a:r>
-              <a:rPr lang="en-US" sz="2800" dirty="0" smtClean="0"/>
+              <a:rPr lang="en-US" sz="2800" dirty="0"/>
               <a:t> gives special instruction to Web Container at the time of page translation. </a:t>
             </a:r>
           </a:p>
           <a:p>
             <a:pPr algn="just"/>
-            <a:endParaRPr lang="en-US" sz="2800" dirty="0" smtClean="0"/>
+            <a:endParaRPr lang="en-US" sz="2800" dirty="0"/>
           </a:p>
           <a:p>
             <a:pPr algn="just"/>
             <a:r>
-              <a:rPr lang="en-US" sz="2800" dirty="0" smtClean="0"/>
+              <a:rPr lang="en-US" sz="2800" dirty="0"/>
               <a:t>Directive tags are of three types: </a:t>
             </a:r>
             <a:r>
-              <a:rPr lang="en-US" sz="2800" b="1" dirty="0" smtClean="0"/>
+              <a:rPr lang="en-US" sz="2800" b="1" dirty="0"/>
               <a:t>page</a:t>
             </a:r>
             <a:r>
-              <a:rPr lang="en-US" sz="2800" dirty="0" smtClean="0"/>
+              <a:rPr lang="en-US" sz="2800" dirty="0"/>
               <a:t>, </a:t>
             </a:r>
             <a:r>
-              <a:rPr lang="en-US" sz="2800" b="1" dirty="0" smtClean="0"/>
+              <a:rPr lang="en-US" sz="2800" b="1" dirty="0"/>
               <a:t>include</a:t>
             </a:r>
             <a:r>
-              <a:rPr lang="en-US" sz="2800" dirty="0" smtClean="0"/>
+              <a:rPr lang="en-US" sz="2800" dirty="0"/>
               <a:t> and </a:t>
             </a:r>
             <a:r>
-              <a:rPr lang="en-US" sz="2800" b="1" dirty="0" err="1" smtClean="0"/>
+              <a:rPr lang="en-US" sz="2800" b="1" dirty="0" err="1"/>
               <a:t>taglib</a:t>
             </a:r>
             <a:r>
-              <a:rPr lang="en-US" sz="2800" dirty="0" smtClean="0"/>
+              <a:rPr lang="en-US" sz="2800" dirty="0"/>
               <a:t>.</a:t>
             </a:r>
           </a:p>
           <a:p>
             <a:pPr algn="just"/>
-            <a:endParaRPr lang="en-US" sz="2800" dirty="0" smtClean="0"/>
+            <a:endParaRPr lang="en-US" sz="2800" dirty="0"/>
           </a:p>
           <a:p>
             <a:pPr algn="just"/>
             <a:r>
-              <a:rPr lang="en-US" sz="2800" dirty="0" smtClean="0"/>
+              <a:rPr lang="en-US" sz="2800" dirty="0"/>
               <a:t>Directive		Description</a:t>
             </a:r>
           </a:p>
@@ -7320,7 +7176,7 @@
               <a:buNone/>
             </a:pPr>
             <a:r>
-              <a:rPr lang="en-US" sz="2800" dirty="0" smtClean="0"/>
+              <a:rPr lang="en-US" sz="2800" dirty="0"/>
               <a:t> 	-------------------------------------------------------------------------------</a:t>
             </a:r>
           </a:p>
@@ -7329,15 +7185,15 @@
               <a:buNone/>
             </a:pPr>
             <a:r>
-              <a:rPr lang="en-US" sz="2800" dirty="0" smtClean="0"/>
+              <a:rPr lang="en-US" sz="2800" dirty="0"/>
               <a:t>	&lt;%@ page ... %&gt;	defines page dependent properties 				such as language, session, </a:t>
             </a:r>
             <a:r>
-              <a:rPr lang="en-US" sz="2800" dirty="0" err="1" smtClean="0"/>
+              <a:rPr lang="en-US" sz="2800" dirty="0" err="1"/>
               <a:t>errorPage</a:t>
             </a:r>
             <a:r>
-              <a:rPr lang="en-US" sz="2800" dirty="0" smtClean="0"/>
+              <a:rPr lang="en-US" sz="2800" dirty="0"/>
               <a:t> etc.</a:t>
             </a:r>
           </a:p>
@@ -7345,14 +7201,14 @@
             <a:pPr algn="just">
               <a:buNone/>
             </a:pPr>
-            <a:endParaRPr lang="en-US" sz="2800" dirty="0" smtClean="0"/>
+            <a:endParaRPr lang="en-US" sz="2800" dirty="0"/>
           </a:p>
           <a:p>
             <a:pPr algn="just">
               <a:buNone/>
             </a:pPr>
             <a:r>
-              <a:rPr lang="en-US" sz="2800" dirty="0" smtClean="0"/>
+              <a:rPr lang="en-US" sz="2800" dirty="0"/>
               <a:t>	&lt;%@ include ... %&gt;	defines file to be included.</a:t>
             </a:r>
           </a:p>
@@ -7360,26 +7216,26 @@
             <a:pPr algn="just">
               <a:buNone/>
             </a:pPr>
-            <a:endParaRPr lang="en-US" sz="2800" dirty="0" smtClean="0"/>
+            <a:endParaRPr lang="en-US" sz="2800" dirty="0"/>
           </a:p>
           <a:p>
             <a:pPr algn="just">
               <a:buNone/>
             </a:pPr>
             <a:r>
-              <a:rPr lang="en-US" sz="2800" dirty="0" smtClean="0"/>
+              <a:rPr lang="en-US" sz="2800" dirty="0"/>
               <a:t>	&lt;%@ </a:t>
             </a:r>
             <a:r>
-              <a:rPr lang="en-US" sz="2800" dirty="0" err="1" smtClean="0"/>
+              <a:rPr lang="en-US" sz="2800" dirty="0" err="1"/>
               <a:t>taglib</a:t>
             </a:r>
             <a:r>
-              <a:rPr lang="en-US" sz="2800" dirty="0" smtClean="0"/>
+              <a:rPr lang="en-US" sz="2800" dirty="0"/>
               <a:t> ... %&gt;	declares tag library used in the page</a:t>
             </a:r>
             <a:br>
-              <a:rPr lang="en-US" sz="2800" dirty="0" smtClean="0"/>
+              <a:rPr lang="en-US" sz="2800" dirty="0"/>
             </a:br>
             <a:endParaRPr lang="en-US" sz="2800" dirty="0"/>
           </a:p>
@@ -7393,13 +7249,6 @@
   <p:transition>
     <p:newsflash/>
   </p:transition>
-  <p:timing>
-    <p:tnLst>
-      <p:par>
-        <p:cTn id="1" dur="indefinite" restart="never" nodeType="tmRoot"/>
-      </p:par>
-    </p:tnLst>
-  </p:timing>
 </p:sld>
 </file>
 
